--- a/01. Docker Sheet Personalizado/01.02. Evidencias/Docker Sheet.pptx
+++ b/01. Docker Sheet Personalizado/01.02. Evidencias/Docker Sheet.pptx
@@ -4560,7 +4560,7 @@
         <p:spPr>
           <a:xfrm>
             <a:off x="496050" y="124879"/>
-            <a:ext cx="5218095" cy="584775"/>
+            <a:ext cx="4466287" cy="584775"/>
           </a:xfrm>
           <a:prstGeom prst="rect">
             <a:avLst/>
@@ -4630,7 +4630,7 @@
                 <a:latin typeface="Arial" panose="020B0604020202020204" pitchFamily="34" charset="0"/>
                 <a:cs typeface="Arial" panose="020B0604020202020204" pitchFamily="34" charset="0"/>
               </a:rPr>
-              <a:t> Docker CLI</a:t>
+              <a:t> Docker</a:t>
             </a:r>
             <a:endParaRPr lang="es-PE" sz="3000" dirty="0">
               <a:solidFill>
@@ -5333,7 +5333,7 @@
         <p:spPr>
           <a:xfrm>
             <a:off x="6083938" y="1106024"/>
-            <a:ext cx="2466975" cy="3308598"/>
+            <a:ext cx="2466975" cy="3139321"/>
           </a:xfrm>
           <a:prstGeom prst="rect">
             <a:avLst/>
@@ -5673,17 +5673,37 @@
                   </a:schemeClr>
                 </a:solidFill>
               </a:rPr>
-              <a:t> definer variables de </a:t>
-            </a:r>
-            <a:r>
-              <a:rPr lang="en-US" sz="1100" b="1" dirty="0" err="1">
-                <a:solidFill>
-                  <a:schemeClr val="bg1">
-                    <a:lumMod val="65000"/>
-                  </a:schemeClr>
-                </a:solidFill>
-              </a:rPr>
-              <a:t>entorno</a:t>
+              <a:t> </a:t>
+            </a:r>
+            <a:r>
+              <a:rPr lang="en-US" sz="1100" b="1" dirty="0" err="1">
+                <a:solidFill>
+                  <a:schemeClr val="bg1">
+                    <a:lumMod val="65000"/>
+                  </a:schemeClr>
+                </a:solidFill>
+              </a:rPr>
+              <a:t>definir</a:t>
+            </a:r>
+            <a:r>
+              <a:rPr lang="en-US" sz="1100" b="1" dirty="0">
+                <a:solidFill>
+                  <a:schemeClr val="bg1">
+                    <a:lumMod val="65000"/>
+                  </a:schemeClr>
+                </a:solidFill>
+              </a:rPr>
+              <a:t> variables de </a:t>
+            </a:r>
+            <a:r>
+              <a:rPr lang="en-US" sz="1100" b="1" dirty="0" err="1">
+                <a:solidFill>
+                  <a:schemeClr val="bg1">
+                    <a:lumMod val="65000"/>
+                  </a:schemeClr>
+                </a:solidFill>
+              </a:rPr>
+              <a:t>ambiente</a:t>
             </a:r>
             <a:endParaRPr lang="en-US" sz="1100" b="1" dirty="0">
               <a:solidFill>
@@ -5722,7 +5742,27 @@
                   </a:schemeClr>
                 </a:solidFill>
               </a:rPr>
-              <a:t> corer </a:t>
+              <a:t> </a:t>
+            </a:r>
+            <a:r>
+              <a:rPr lang="en-US" sz="1100" b="1" dirty="0" err="1">
+                <a:solidFill>
+                  <a:schemeClr val="bg1">
+                    <a:lumMod val="65000"/>
+                  </a:schemeClr>
+                </a:solidFill>
+              </a:rPr>
+              <a:t>correr</a:t>
+            </a:r>
+            <a:r>
+              <a:rPr lang="en-US" sz="1100" b="1" dirty="0">
+                <a:solidFill>
+                  <a:schemeClr val="bg1">
+                    <a:lumMod val="65000"/>
+                  </a:schemeClr>
+                </a:solidFill>
+              </a:rPr>
+              <a:t> </a:t>
             </a:r>
             <a:r>
               <a:rPr lang="en-US" sz="1100" b="1" dirty="0" err="1">
@@ -5784,7 +5824,7 @@
                   </a:schemeClr>
                 </a:solidFill>
               </a:rPr>
-              <a:t>expuesto</a:t>
+              <a:t>interno</a:t>
             </a:r>
             <a:r>
               <a:rPr lang="en-US" sz="1100" b="1" dirty="0">
@@ -5804,43 +5844,20 @@
                   </a:schemeClr>
                 </a:solidFill>
               </a:rPr>
-              <a:t>por</a:t>
-            </a:r>
-            <a:r>
-              <a:rPr lang="en-US" sz="1100" b="1" dirty="0">
-                <a:solidFill>
-                  <a:schemeClr val="bg1">
-                    <a:lumMod val="65000"/>
-                  </a:schemeClr>
-                </a:solidFill>
-              </a:rPr>
-              <a:t> </a:t>
-            </a:r>
-            <a:r>
-              <a:rPr lang="en-US" sz="1100" b="1" dirty="0" err="1">
-                <a:solidFill>
-                  <a:schemeClr val="bg1">
-                    <a:lumMod val="65000"/>
-                  </a:schemeClr>
-                </a:solidFill>
-              </a:rPr>
-              <a:t>defecto</a:t>
-            </a:r>
-            <a:r>
-              <a:rPr lang="en-US" sz="1100" b="1" dirty="0">
-                <a:solidFill>
-                  <a:schemeClr val="bg1">
-                    <a:lumMod val="65000"/>
-                  </a:schemeClr>
-                </a:solidFill>
-              </a:rPr>
-              <a:t> </a:t>
-            </a:r>
+              <a:t>externo</a:t>
+            </a:r>
+            <a:endParaRPr lang="en-US" sz="1100" b="1" dirty="0">
+              <a:solidFill>
+                <a:schemeClr val="bg1">
+                  <a:lumMod val="65000"/>
+                </a:schemeClr>
+              </a:solidFill>
+            </a:endParaRPr>
           </a:p>
           <a:p>
             <a:r>
               <a:rPr lang="en-US" sz="1100" b="1" dirty="0"/>
-              <a:t>docker run –name NAME_CONTAINER –e VARIABLE_ENTORNO –p NUMBER_PORT_EXPOSED:NUMBER_PORT –d NAME_IMAGE</a:t>
+              <a:t>docker run –name NAME_CONTAINER –e VARIABLE_ENTORNO –p NUMBER_PORT_INTERNAL:NUMBER_PORT_EXTORNED –d NAME_IMAGE</a:t>
             </a:r>
           </a:p>
           <a:p>
@@ -8302,7 +8319,7 @@
         <p:spPr>
           <a:xfrm>
             <a:off x="496050" y="124879"/>
-            <a:ext cx="5354351" cy="584775"/>
+            <a:ext cx="6333785" cy="584775"/>
           </a:xfrm>
           <a:prstGeom prst="rect">
             <a:avLst/>
@@ -8372,7 +8389,17 @@
                 <a:latin typeface="Arial" panose="020B0604020202020204" pitchFamily="34" charset="0"/>
                 <a:cs typeface="Arial" panose="020B0604020202020204" pitchFamily="34" charset="0"/>
               </a:rPr>
-              <a:t> Docker CLI</a:t>
+              <a:t> Docker </a:t>
+            </a:r>
+            <a:r>
+              <a:rPr lang="es-ES" sz="3200" dirty="0" err="1">
+                <a:solidFill>
+                  <a:srgbClr val="0065FF"/>
+                </a:solidFill>
+                <a:latin typeface="Arial" panose="020B0604020202020204" pitchFamily="34" charset="0"/>
+                <a:cs typeface="Arial" panose="020B0604020202020204" pitchFamily="34" charset="0"/>
+              </a:rPr>
+              <a:t>Compose</a:t>
             </a:r>
             <a:endParaRPr lang="es-PE" sz="3000" dirty="0">
               <a:solidFill>
@@ -8381,480 +8408,6 @@
               <a:latin typeface="Arial" panose="020B0604020202020204" pitchFamily="34" charset="0"/>
               <a:cs typeface="Arial" panose="020B0604020202020204" pitchFamily="34" charset="0"/>
             </a:endParaRPr>
-          </a:p>
-        </p:txBody>
-      </p:sp>
-      <p:sp>
-        <p:nvSpPr>
-          <p:cNvPr id="6" name="CuadroTexto 5">
-            <a:extLst>
-              <a:ext uri="{FF2B5EF4-FFF2-40B4-BE49-F238E27FC236}">
-                <a16:creationId xmlns:a16="http://schemas.microsoft.com/office/drawing/2014/main" id="{07267A01-4A9B-EACB-1FED-366034DE43D9}"/>
-              </a:ext>
-            </a:extLst>
-          </p:cNvPr>
-          <p:cNvSpPr txBox="1"/>
-          <p:nvPr/>
-        </p:nvSpPr>
-        <p:spPr>
-          <a:xfrm>
-            <a:off x="3682630" y="1263520"/>
-            <a:ext cx="2466975" cy="3647152"/>
-          </a:xfrm>
-          <a:prstGeom prst="rect">
-            <a:avLst/>
-          </a:prstGeom>
-          <a:noFill/>
-        </p:spPr>
-        <p:txBody>
-          <a:bodyPr wrap="square" rtlCol="0">
-            <a:spAutoFit/>
-          </a:bodyPr>
-          <a:lstStyle/>
-          <a:p>
-            <a:endParaRPr lang="en-US" sz="1100" b="1" dirty="0"/>
-          </a:p>
-          <a:p>
-            <a:r>
-              <a:rPr lang="en-US" sz="1100" b="1" dirty="0">
-                <a:solidFill>
-                  <a:schemeClr val="bg1">
-                    <a:lumMod val="65000"/>
-                  </a:schemeClr>
-                </a:solidFill>
-              </a:rPr>
-              <a:t>--Build image from a </a:t>
-            </a:r>
-            <a:r>
-              <a:rPr lang="en-US" sz="1100" b="1" dirty="0" err="1">
-                <a:solidFill>
-                  <a:schemeClr val="bg1">
-                    <a:lumMod val="65000"/>
-                  </a:schemeClr>
-                </a:solidFill>
-              </a:rPr>
-              <a:t>Dockerfile</a:t>
-            </a:r>
-            <a:r>
-              <a:rPr lang="en-US" sz="1100" b="1" dirty="0">
-                <a:solidFill>
-                  <a:schemeClr val="bg1">
-                    <a:lumMod val="65000"/>
-                  </a:schemeClr>
-                </a:solidFill>
-              </a:rPr>
-              <a:t> </a:t>
-            </a:r>
-          </a:p>
-          <a:p>
-            <a:r>
-              <a:rPr lang="en-US" sz="1100" b="1" dirty="0"/>
-              <a:t>docker build  DIRECTORY</a:t>
-            </a:r>
-          </a:p>
-          <a:p>
-            <a:r>
-              <a:rPr lang="en-US" sz="1100" b="1" dirty="0"/>
-              <a:t>docker build </a:t>
-            </a:r>
-          </a:p>
-          <a:p>
-            <a:endParaRPr lang="en-US" sz="1100" b="1" dirty="0"/>
-          </a:p>
-          <a:p>
-            <a:r>
-              <a:rPr lang="en-US" sz="1100" b="1" dirty="0">
-                <a:solidFill>
-                  <a:schemeClr val="bg1">
-                    <a:lumMod val="65000"/>
-                  </a:schemeClr>
-                </a:solidFill>
-              </a:rPr>
-              <a:t>--Tag an image </a:t>
-            </a:r>
-          </a:p>
-          <a:p>
-            <a:r>
-              <a:rPr lang="en-US" sz="1100" b="1" dirty="0"/>
-              <a:t>docker tag IMAGE NEWIMAGE</a:t>
-            </a:r>
-          </a:p>
-          <a:p>
-            <a:r>
-              <a:rPr lang="en-US" sz="1100" b="1" dirty="0"/>
-              <a:t>docker tag ubuntu ubuntu:18.04</a:t>
-            </a:r>
-          </a:p>
-          <a:p>
-            <a:endParaRPr lang="en-US" sz="1100" b="1" dirty="0"/>
-          </a:p>
-          <a:p>
-            <a:r>
-              <a:rPr lang="en-US" sz="1100" b="1" dirty="0">
-                <a:solidFill>
-                  <a:schemeClr val="bg1">
-                    <a:lumMod val="65000"/>
-                  </a:schemeClr>
-                </a:solidFill>
-              </a:rPr>
-              <a:t>--Build and tag an image from a </a:t>
-            </a:r>
-            <a:r>
-              <a:rPr lang="en-US" sz="1100" b="1" dirty="0" err="1">
-                <a:solidFill>
-                  <a:schemeClr val="bg1">
-                    <a:lumMod val="65000"/>
-                  </a:schemeClr>
-                </a:solidFill>
-              </a:rPr>
-              <a:t>Dockerfile</a:t>
-            </a:r>
-            <a:r>
-              <a:rPr lang="en-US" sz="1100" b="1" dirty="0">
-                <a:solidFill>
-                  <a:schemeClr val="bg1">
-                    <a:lumMod val="65000"/>
-                  </a:schemeClr>
-                </a:solidFill>
-              </a:rPr>
-              <a:t> </a:t>
-            </a:r>
-          </a:p>
-          <a:p>
-            <a:r>
-              <a:rPr lang="en-US" sz="1100" b="1" dirty="0"/>
-              <a:t>docker build -t IMAGE  DIRECTORY</a:t>
-            </a:r>
-          </a:p>
-          <a:p>
-            <a:r>
-              <a:rPr lang="en-US" sz="1100" b="1" dirty="0"/>
-              <a:t>docker build -t </a:t>
-            </a:r>
-            <a:r>
-              <a:rPr lang="en-US" sz="1100" b="1" dirty="0" err="1"/>
-              <a:t>myimage</a:t>
-            </a:r>
-            <a:r>
-              <a:rPr lang="en-US" sz="1100" b="1" dirty="0"/>
-              <a:t> </a:t>
-            </a:r>
-          </a:p>
-          <a:p>
-            <a:endParaRPr lang="en-US" sz="1100" b="1" dirty="0"/>
-          </a:p>
-          <a:p>
-            <a:r>
-              <a:rPr lang="en-US" sz="1100" b="1" dirty="0">
-                <a:solidFill>
-                  <a:schemeClr val="bg1">
-                    <a:lumMod val="65000"/>
-                  </a:schemeClr>
-                </a:solidFill>
-              </a:rPr>
-              <a:t>--Save image to a file </a:t>
-            </a:r>
-          </a:p>
-          <a:p>
-            <a:r>
-              <a:rPr lang="en-US" sz="1100" b="1" dirty="0"/>
-              <a:t>docker save IMAGE &gt; FILE</a:t>
-            </a:r>
-          </a:p>
-          <a:p>
-            <a:r>
-              <a:rPr lang="en-US" sz="1100" b="1" dirty="0"/>
-              <a:t>docker save </a:t>
-            </a:r>
-            <a:r>
-              <a:rPr lang="en-US" sz="1100" b="1" dirty="0" err="1"/>
-              <a:t>nginx</a:t>
-            </a:r>
-            <a:r>
-              <a:rPr lang="en-US" sz="1100" b="1" dirty="0"/>
-              <a:t> &gt; nginx.tar</a:t>
-            </a:r>
-          </a:p>
-          <a:p>
-            <a:endParaRPr lang="en-US" sz="1100" b="1" dirty="0"/>
-          </a:p>
-          <a:p>
-            <a:r>
-              <a:rPr lang="en-US" sz="1100" b="1" dirty="0">
-                <a:solidFill>
-                  <a:schemeClr val="bg1">
-                    <a:lumMod val="65000"/>
-                  </a:schemeClr>
-                </a:solidFill>
-              </a:rPr>
-              <a:t>--Load image from a file </a:t>
-            </a:r>
-          </a:p>
-          <a:p>
-            <a:r>
-              <a:rPr lang="en-US" sz="1100" b="1" dirty="0"/>
-              <a:t>docker load -</a:t>
-            </a:r>
-            <a:r>
-              <a:rPr lang="en-US" sz="1100" b="1" dirty="0" err="1"/>
-              <a:t>i</a:t>
-            </a:r>
-            <a:r>
-              <a:rPr lang="en-US" sz="1100" b="1" dirty="0"/>
-              <a:t> TARFILE</a:t>
-            </a:r>
-          </a:p>
-          <a:p>
-            <a:r>
-              <a:rPr lang="en-US" sz="1100" b="1" dirty="0"/>
-              <a:t>docker load -</a:t>
-            </a:r>
-            <a:r>
-              <a:rPr lang="en-US" sz="1100" b="1" dirty="0" err="1"/>
-              <a:t>i</a:t>
-            </a:r>
-            <a:r>
-              <a:rPr lang="en-US" sz="1100" b="1" dirty="0"/>
-              <a:t> nginx.tar</a:t>
-            </a:r>
-            <a:endParaRPr lang="es-PE" sz="1100" b="1" dirty="0"/>
-          </a:p>
-        </p:txBody>
-      </p:sp>
-      <p:sp>
-        <p:nvSpPr>
-          <p:cNvPr id="7" name="CuadroTexto 6">
-            <a:extLst>
-              <a:ext uri="{FF2B5EF4-FFF2-40B4-BE49-F238E27FC236}">
-                <a16:creationId xmlns:a16="http://schemas.microsoft.com/office/drawing/2014/main" id="{B18831F4-4FD5-96C2-9A30-FEF7A0A36385}"/>
-              </a:ext>
-            </a:extLst>
-          </p:cNvPr>
-          <p:cNvSpPr txBox="1"/>
-          <p:nvPr/>
-        </p:nvSpPr>
-        <p:spPr>
-          <a:xfrm>
-            <a:off x="6564708" y="1432797"/>
-            <a:ext cx="2466975" cy="3647152"/>
-          </a:xfrm>
-          <a:prstGeom prst="rect">
-            <a:avLst/>
-          </a:prstGeom>
-          <a:noFill/>
-        </p:spPr>
-        <p:txBody>
-          <a:bodyPr wrap="square" rtlCol="0">
-            <a:spAutoFit/>
-          </a:bodyPr>
-          <a:lstStyle/>
-          <a:p>
-            <a:r>
-              <a:rPr lang="en-US" sz="1100" b="1" dirty="0">
-                <a:solidFill>
-                  <a:schemeClr val="bg1">
-                    <a:lumMod val="65000"/>
-                  </a:schemeClr>
-                </a:solidFill>
-              </a:rPr>
-              <a:t>--Show the logs of a container </a:t>
-            </a:r>
-          </a:p>
-          <a:p>
-            <a:r>
-              <a:rPr lang="en-US" sz="1100" b="1" dirty="0"/>
-              <a:t>docker logs CONTAINER</a:t>
-            </a:r>
-          </a:p>
-          <a:p>
-            <a:r>
-              <a:rPr lang="en-US" sz="1100" b="1" dirty="0"/>
-              <a:t>docker logs web</a:t>
-            </a:r>
-          </a:p>
-          <a:p>
-            <a:endParaRPr lang="en-US" sz="1100" b="1" dirty="0"/>
-          </a:p>
-          <a:p>
-            <a:r>
-              <a:rPr lang="en-US" sz="1100" b="1" dirty="0">
-                <a:solidFill>
-                  <a:schemeClr val="bg1">
-                    <a:lumMod val="65000"/>
-                  </a:schemeClr>
-                </a:solidFill>
-              </a:rPr>
-              <a:t>--Show stats of running containers </a:t>
-            </a:r>
-          </a:p>
-          <a:p>
-            <a:r>
-              <a:rPr lang="en-US" sz="1100" b="1" dirty="0"/>
-              <a:t>docker stats</a:t>
-            </a:r>
-          </a:p>
-          <a:p>
-            <a:endParaRPr lang="en-US" sz="1100" b="1" dirty="0"/>
-          </a:p>
-          <a:p>
-            <a:r>
-              <a:rPr lang="en-US" sz="1100" b="1" dirty="0">
-                <a:solidFill>
-                  <a:schemeClr val="bg1">
-                    <a:lumMod val="65000"/>
-                  </a:schemeClr>
-                </a:solidFill>
-              </a:rPr>
-              <a:t>--Show processes running in container </a:t>
-            </a:r>
-          </a:p>
-          <a:p>
-            <a:r>
-              <a:rPr lang="en-US" sz="1100" b="1" dirty="0"/>
-              <a:t>docker top CONTAINER</a:t>
-            </a:r>
-          </a:p>
-          <a:p>
-            <a:r>
-              <a:rPr lang="en-US" sz="1100" b="1" dirty="0"/>
-              <a:t>docker top web</a:t>
-            </a:r>
-          </a:p>
-          <a:p>
-            <a:endParaRPr lang="en-US" sz="1100" b="1" dirty="0"/>
-          </a:p>
-          <a:p>
-            <a:r>
-              <a:rPr lang="en-US" sz="1100" b="1" dirty="0">
-                <a:solidFill>
-                  <a:schemeClr val="bg1">
-                    <a:lumMod val="65000"/>
-                  </a:schemeClr>
-                </a:solidFill>
-              </a:rPr>
-              <a:t>--Show docker version </a:t>
-            </a:r>
-          </a:p>
-          <a:p>
-            <a:r>
-              <a:rPr lang="en-US" sz="1100" b="1" dirty="0"/>
-              <a:t>docker version</a:t>
-            </a:r>
-          </a:p>
-          <a:p>
-            <a:endParaRPr lang="en-US" sz="1100" b="1" dirty="0"/>
-          </a:p>
-          <a:p>
-            <a:r>
-              <a:rPr lang="en-US" sz="1100" b="1" dirty="0">
-                <a:solidFill>
-                  <a:schemeClr val="bg1">
-                    <a:lumMod val="65000"/>
-                  </a:schemeClr>
-                </a:solidFill>
-              </a:rPr>
-              <a:t>--Show detailed docker </a:t>
-            </a:r>
-            <a:r>
-              <a:rPr lang="en-US" sz="1100" b="1" dirty="0" err="1">
-                <a:solidFill>
-                  <a:schemeClr val="bg1">
-                    <a:lumMod val="65000"/>
-                  </a:schemeClr>
-                </a:solidFill>
-              </a:rPr>
-              <a:t>versión</a:t>
-            </a:r>
-            <a:r>
-              <a:rPr lang="en-US" sz="1100" b="1" dirty="0">
-                <a:solidFill>
-                  <a:schemeClr val="bg1">
-                    <a:lumMod val="65000"/>
-                  </a:schemeClr>
-                </a:solidFill>
-              </a:rPr>
-              <a:t> </a:t>
-            </a:r>
-          </a:p>
-          <a:p>
-            <a:r>
-              <a:rPr lang="en-US" sz="1100" b="1" dirty="0"/>
-              <a:t>docker info</a:t>
-            </a:r>
-          </a:p>
-          <a:p>
-            <a:endParaRPr lang="en-US" sz="1100" b="1" dirty="0"/>
-          </a:p>
-          <a:p>
-            <a:r>
-              <a:rPr lang="en-US" sz="1100" b="1" dirty="0">
-                <a:solidFill>
-                  <a:schemeClr val="bg1">
-                    <a:lumMod val="65000"/>
-                  </a:schemeClr>
-                </a:solidFill>
-              </a:rPr>
-              <a:t>--Inspect low-level information </a:t>
-            </a:r>
-          </a:p>
-          <a:p>
-            <a:r>
-              <a:rPr lang="en-US" sz="1100" b="1" dirty="0"/>
-              <a:t>docker inspect CONTAINER</a:t>
-            </a:r>
-          </a:p>
-          <a:p>
-            <a:r>
-              <a:rPr lang="en-US" sz="1100" b="1" dirty="0"/>
-              <a:t>docker inspect </a:t>
-            </a:r>
-            <a:r>
-              <a:rPr lang="en-US" sz="1100" b="1" dirty="0" err="1"/>
-              <a:t>nginx</a:t>
-            </a:r>
-            <a:endParaRPr lang="en-US" sz="1100" b="1" dirty="0"/>
-          </a:p>
-          <a:p>
-            <a:endParaRPr lang="en-US" sz="1100" b="1" dirty="0"/>
-          </a:p>
-        </p:txBody>
-      </p:sp>
-      <p:sp>
-        <p:nvSpPr>
-          <p:cNvPr id="11" name="CuadroTexto 10">
-            <a:extLst>
-              <a:ext uri="{FF2B5EF4-FFF2-40B4-BE49-F238E27FC236}">
-                <a16:creationId xmlns:a16="http://schemas.microsoft.com/office/drawing/2014/main" id="{A8215EBF-1404-5A32-E304-950DEF0B7F7A}"/>
-              </a:ext>
-            </a:extLst>
-          </p:cNvPr>
-          <p:cNvSpPr txBox="1"/>
-          <p:nvPr/>
-        </p:nvSpPr>
-        <p:spPr>
-          <a:xfrm>
-            <a:off x="6564708" y="1094243"/>
-            <a:ext cx="1331005" cy="338554"/>
-          </a:xfrm>
-          <a:prstGeom prst="rect">
-            <a:avLst/>
-          </a:prstGeom>
-          <a:noFill/>
-        </p:spPr>
-        <p:txBody>
-          <a:bodyPr wrap="none" rtlCol="0">
-            <a:spAutoFit/>
-          </a:bodyPr>
-          <a:lstStyle/>
-          <a:p>
-            <a:r>
-              <a:rPr lang="es-PE" sz="1600" b="1" dirty="0">
-                <a:solidFill>
-                  <a:schemeClr val="accent2"/>
-                </a:solidFill>
-              </a:rPr>
-              <a:t>INFO &amp; STATS</a:t>
-            </a:r>
           </a:p>
         </p:txBody>
       </p:sp>
@@ -8873,7 +8426,7 @@
         <p:spPr>
           <a:xfrm>
             <a:off x="800552" y="1292839"/>
-            <a:ext cx="2466975" cy="3600986"/>
+            <a:ext cx="2466975" cy="3970318"/>
           </a:xfrm>
           <a:prstGeom prst="rect">
             <a:avLst/>
@@ -8894,37 +8447,329 @@
                   </a:schemeClr>
                 </a:solidFill>
               </a:rPr>
-              <a:t>--Download an image</a:t>
-            </a:r>
+              <a:t>--Version del docker-compose</a:t>
+            </a:r>
+          </a:p>
+          <a:p>
+            <a:r>
+              <a:rPr lang="en-US" sz="1200" b="1" dirty="0"/>
+              <a:t>docker-compose --version</a:t>
+            </a:r>
+          </a:p>
+          <a:p>
+            <a:endParaRPr lang="en-US" sz="1200" b="1" dirty="0"/>
           </a:p>
           <a:p>
             <a:r>
               <a:rPr lang="en-US" sz="1200" b="1" dirty="0">
                 <a:solidFill>
-                  <a:schemeClr val="accent1">
-                    <a:lumMod val="75000"/>
-                  </a:schemeClr>
-                </a:solidFill>
-              </a:rPr>
-              <a:t>docker pull</a:t>
-            </a:r>
+                  <a:schemeClr val="bg1">
+                    <a:lumMod val="65000"/>
+                  </a:schemeClr>
+                </a:solidFill>
+              </a:rPr>
+              <a:t>--</a:t>
+            </a:r>
+            <a:r>
+              <a:rPr lang="en-US" sz="1200" b="1" dirty="0" err="1">
+                <a:solidFill>
+                  <a:schemeClr val="bg1">
+                    <a:lumMod val="65000"/>
+                  </a:schemeClr>
+                </a:solidFill>
+              </a:rPr>
+              <a:t>Levantar</a:t>
+            </a:r>
+            <a:r>
+              <a:rPr lang="en-US" sz="1200" b="1" dirty="0">
+                <a:solidFill>
+                  <a:schemeClr val="bg1">
+                    <a:lumMod val="65000"/>
+                  </a:schemeClr>
+                </a:solidFill>
+              </a:rPr>
+              <a:t> </a:t>
+            </a:r>
+            <a:r>
+              <a:rPr lang="en-US" sz="1200" b="1" dirty="0" err="1">
+                <a:solidFill>
+                  <a:schemeClr val="bg1">
+                    <a:lumMod val="65000"/>
+                  </a:schemeClr>
+                </a:solidFill>
+              </a:rPr>
+              <a:t>todos</a:t>
+            </a:r>
+            <a:r>
+              <a:rPr lang="en-US" sz="1200" b="1" dirty="0">
+                <a:solidFill>
+                  <a:schemeClr val="bg1">
+                    <a:lumMod val="65000"/>
+                  </a:schemeClr>
+                </a:solidFill>
+              </a:rPr>
+              <a:t> </a:t>
+            </a:r>
+            <a:r>
+              <a:rPr lang="en-US" sz="1200" b="1" dirty="0" err="1">
+                <a:solidFill>
+                  <a:schemeClr val="bg1">
+                    <a:lumMod val="65000"/>
+                  </a:schemeClr>
+                </a:solidFill>
+              </a:rPr>
+              <a:t>los</a:t>
+            </a:r>
+            <a:r>
+              <a:rPr lang="en-US" sz="1200" b="1" dirty="0">
+                <a:solidFill>
+                  <a:schemeClr val="bg1">
+                    <a:lumMod val="65000"/>
+                  </a:schemeClr>
+                </a:solidFill>
+              </a:rPr>
+              <a:t> </a:t>
+            </a:r>
+            <a:r>
+              <a:rPr lang="en-US" sz="1200" b="1" dirty="0" err="1">
+                <a:solidFill>
+                  <a:schemeClr val="bg1">
+                    <a:lumMod val="65000"/>
+                  </a:schemeClr>
+                </a:solidFill>
+              </a:rPr>
+              <a:t>servicios</a:t>
+            </a:r>
+            <a:r>
+              <a:rPr lang="en-US" sz="1200" b="1" dirty="0">
+                <a:solidFill>
+                  <a:schemeClr val="bg1">
+                    <a:lumMod val="65000"/>
+                  </a:schemeClr>
+                </a:solidFill>
+              </a:rPr>
+              <a:t> que </a:t>
+            </a:r>
+            <a:r>
+              <a:rPr lang="en-US" sz="1200" b="1" dirty="0" err="1">
+                <a:solidFill>
+                  <a:schemeClr val="bg1">
+                    <a:lumMod val="65000"/>
+                  </a:schemeClr>
+                </a:solidFill>
+              </a:rPr>
+              <a:t>estan</a:t>
+            </a:r>
+            <a:r>
+              <a:rPr lang="en-US" sz="1200" b="1" dirty="0">
+                <a:solidFill>
+                  <a:schemeClr val="bg1">
+                    <a:lumMod val="65000"/>
+                  </a:schemeClr>
+                </a:solidFill>
+              </a:rPr>
+              <a:t> </a:t>
+            </a:r>
+            <a:r>
+              <a:rPr lang="en-US" sz="1200" b="1" dirty="0" err="1">
+                <a:solidFill>
+                  <a:schemeClr val="bg1">
+                    <a:lumMod val="65000"/>
+                  </a:schemeClr>
+                </a:solidFill>
+              </a:rPr>
+              <a:t>en</a:t>
+            </a:r>
+            <a:r>
+              <a:rPr lang="en-US" sz="1200" b="1" dirty="0">
+                <a:solidFill>
+                  <a:schemeClr val="bg1">
+                    <a:lumMod val="65000"/>
+                  </a:schemeClr>
+                </a:solidFill>
+              </a:rPr>
+              <a:t> </a:t>
+            </a:r>
+            <a:r>
+              <a:rPr lang="en-US" sz="1200" b="1" dirty="0" err="1">
+                <a:solidFill>
+                  <a:schemeClr val="bg1">
+                    <a:lumMod val="65000"/>
+                  </a:schemeClr>
+                </a:solidFill>
+              </a:rPr>
+              <a:t>el</a:t>
+            </a:r>
+            <a:r>
+              <a:rPr lang="en-US" sz="1200" b="1" dirty="0">
+                <a:solidFill>
+                  <a:schemeClr val="bg1">
+                    <a:lumMod val="65000"/>
+                  </a:schemeClr>
+                </a:solidFill>
+              </a:rPr>
+              <a:t> docker-compose</a:t>
+            </a:r>
+          </a:p>
+          <a:p>
             <a:r>
               <a:rPr lang="en-US" sz="1200" b="1" dirty="0"/>
-              <a:t> IMAGE[:TAG]</a:t>
-            </a:r>
+              <a:t>docker-compose up -d</a:t>
+            </a:r>
+          </a:p>
+          <a:p>
+            <a:endParaRPr lang="en-US" sz="1200" b="1" dirty="0"/>
+          </a:p>
+          <a:p>
+            <a:r>
+              <a:rPr lang="en-US" sz="1200" b="1" dirty="0">
+                <a:solidFill>
+                  <a:schemeClr val="bg1">
+                    <a:lumMod val="65000"/>
+                  </a:schemeClr>
+                </a:solidFill>
+              </a:rPr>
+              <a:t>--</a:t>
+            </a:r>
+            <a:r>
+              <a:rPr lang="en-US" sz="1200" b="1" dirty="0" err="1">
+                <a:solidFill>
+                  <a:schemeClr val="bg1">
+                    <a:lumMod val="65000"/>
+                  </a:schemeClr>
+                </a:solidFill>
+              </a:rPr>
+              <a:t>Levantar</a:t>
+            </a:r>
+            <a:r>
+              <a:rPr lang="en-US" sz="1200" b="1" dirty="0">
+                <a:solidFill>
+                  <a:schemeClr val="bg1">
+                    <a:lumMod val="65000"/>
+                  </a:schemeClr>
+                </a:solidFill>
+              </a:rPr>
+              <a:t> un docker compose </a:t>
+            </a:r>
+            <a:r>
+              <a:rPr lang="en-US" sz="1200" b="1" dirty="0" err="1">
+                <a:solidFill>
+                  <a:schemeClr val="bg1">
+                    <a:lumMod val="65000"/>
+                  </a:schemeClr>
+                </a:solidFill>
+              </a:rPr>
+              <a:t>en</a:t>
+            </a:r>
+            <a:r>
+              <a:rPr lang="en-US" sz="1200" b="1" dirty="0">
+                <a:solidFill>
+                  <a:schemeClr val="bg1">
+                    <a:lumMod val="65000"/>
+                  </a:schemeClr>
+                </a:solidFill>
+              </a:rPr>
+              <a:t> </a:t>
+            </a:r>
+            <a:r>
+              <a:rPr lang="en-US" sz="1200" b="1" dirty="0" err="1">
+                <a:solidFill>
+                  <a:schemeClr val="bg1">
+                    <a:lumMod val="65000"/>
+                  </a:schemeClr>
+                </a:solidFill>
+              </a:rPr>
+              <a:t>especifico</a:t>
+            </a:r>
+            <a:endParaRPr lang="en-US" sz="1200" b="1" dirty="0">
+              <a:solidFill>
+                <a:schemeClr val="bg1">
+                  <a:lumMod val="65000"/>
+                </a:schemeClr>
+              </a:solidFill>
+            </a:endParaRPr>
           </a:p>
           <a:p>
             <a:r>
               <a:rPr lang="en-US" sz="1200" b="1" dirty="0"/>
-              <a:t>docker pull </a:t>
+              <a:t>docker compose –f docker-</a:t>
             </a:r>
             <a:r>
               <a:rPr lang="en-US" sz="1200" b="1" dirty="0" err="1"/>
-              <a:t>nginx</a:t>
-            </a:r>
+              <a:t>compose.yml</a:t>
+            </a:r>
+            <a:r>
+              <a:rPr lang="en-US" sz="1200" b="1" dirty="0"/>
+              <a:t> up -d</a:t>
+            </a:r>
+          </a:p>
+          <a:p>
             <a:endParaRPr lang="en-US" sz="1200" b="1" dirty="0"/>
           </a:p>
           <a:p>
+            <a:r>
+              <a:rPr lang="en-US" sz="1200" b="1" dirty="0">
+                <a:solidFill>
+                  <a:schemeClr val="bg1">
+                    <a:lumMod val="65000"/>
+                  </a:schemeClr>
+                </a:solidFill>
+              </a:rPr>
+              <a:t>--Bajar un docker compose </a:t>
+            </a:r>
+            <a:r>
+              <a:rPr lang="en-US" sz="1200" b="1" dirty="0" err="1">
+                <a:solidFill>
+                  <a:schemeClr val="bg1">
+                    <a:lumMod val="65000"/>
+                  </a:schemeClr>
+                </a:solidFill>
+              </a:rPr>
+              <a:t>en</a:t>
+            </a:r>
+            <a:r>
+              <a:rPr lang="en-US" sz="1200" b="1" dirty="0">
+                <a:solidFill>
+                  <a:schemeClr val="bg1">
+                    <a:lumMod val="65000"/>
+                  </a:schemeClr>
+                </a:solidFill>
+              </a:rPr>
+              <a:t> </a:t>
+            </a:r>
+            <a:r>
+              <a:rPr lang="en-US" sz="1200" b="1" dirty="0" err="1">
+                <a:solidFill>
+                  <a:schemeClr val="bg1">
+                    <a:lumMod val="65000"/>
+                  </a:schemeClr>
+                </a:solidFill>
+              </a:rPr>
+              <a:t>especifico</a:t>
+            </a:r>
+            <a:endParaRPr lang="en-US" sz="1200" b="1" dirty="0">
+              <a:solidFill>
+                <a:schemeClr val="bg1">
+                  <a:lumMod val="65000"/>
+                </a:schemeClr>
+              </a:solidFill>
+            </a:endParaRPr>
+          </a:p>
+          <a:p>
+            <a:r>
+              <a:rPr lang="en-US" sz="1200" b="1" dirty="0"/>
+              <a:t>docker compose –f .\docker-</a:t>
+            </a:r>
+            <a:r>
+              <a:rPr lang="en-US" sz="1200" b="1" dirty="0" err="1"/>
+              <a:t>compose.yml</a:t>
+            </a:r>
+            <a:r>
+              <a:rPr lang="en-US" sz="1200" b="1" dirty="0"/>
+              <a:t> down</a:t>
+            </a:r>
+          </a:p>
+          <a:p>
             <a:endParaRPr lang="en-US" sz="1200" b="1" dirty="0"/>
           </a:p>
           <a:p>
@@ -8936,242 +8781,77 @@
                   </a:schemeClr>
                 </a:solidFill>
               </a:rPr>
-              <a:t>--Upload an image to repository </a:t>
+              <a:t>--</a:t>
+            </a:r>
+            <a:r>
+              <a:rPr lang="en-US" sz="1200" b="1" dirty="0" err="1">
+                <a:solidFill>
+                  <a:schemeClr val="bg1">
+                    <a:lumMod val="65000"/>
+                  </a:schemeClr>
+                </a:solidFill>
+              </a:rPr>
+              <a:t>Recrear</a:t>
+            </a:r>
+            <a:r>
+              <a:rPr lang="en-US" sz="1200" b="1" dirty="0">
+                <a:solidFill>
+                  <a:schemeClr val="bg1">
+                    <a:lumMod val="65000"/>
+                  </a:schemeClr>
+                </a:solidFill>
+              </a:rPr>
+              <a:t> la </a:t>
+            </a:r>
+            <a:r>
+              <a:rPr lang="en-US" sz="1200" b="1" dirty="0" err="1">
+                <a:solidFill>
+                  <a:schemeClr val="bg1">
+                    <a:lumMod val="65000"/>
+                  </a:schemeClr>
+                </a:solidFill>
+              </a:rPr>
+              <a:t>creacion</a:t>
+            </a:r>
+            <a:r>
+              <a:rPr lang="en-US" sz="1200" b="1" dirty="0">
+                <a:solidFill>
+                  <a:schemeClr val="bg1">
+                    <a:lumMod val="65000"/>
+                  </a:schemeClr>
+                </a:solidFill>
+              </a:rPr>
+              <a:t> de </a:t>
+            </a:r>
+            <a:r>
+              <a:rPr lang="en-US" sz="1200" b="1" dirty="0" err="1">
+                <a:solidFill>
+                  <a:schemeClr val="bg1">
+                    <a:lumMod val="65000"/>
+                  </a:schemeClr>
+                </a:solidFill>
+              </a:rPr>
+              <a:t>los</a:t>
+            </a:r>
+            <a:r>
+              <a:rPr lang="en-US" sz="1200" b="1" dirty="0">
+                <a:solidFill>
+                  <a:schemeClr val="bg1">
+                    <a:lumMod val="65000"/>
+                  </a:schemeClr>
+                </a:solidFill>
+              </a:rPr>
+              <a:t> docker compose</a:t>
             </a:r>
           </a:p>
           <a:p>
             <a:r>
               <a:rPr lang="en-US" sz="1200" b="1" dirty="0"/>
-              <a:t>docker push IMAGE </a:t>
-            </a:r>
-          </a:p>
-          <a:p>
-            <a:r>
-              <a:rPr lang="en-US" sz="1200" b="1" dirty="0"/>
-              <a:t>docker push my-image:1.0</a:t>
+              <a:t>docker compose up –force-recreate</a:t>
             </a:r>
           </a:p>
           <a:p>
             <a:endParaRPr lang="en-US" sz="1200" b="1" dirty="0"/>
-          </a:p>
-          <a:p>
-            <a:r>
-              <a:rPr lang="en-US" sz="1200" b="1" dirty="0">
-                <a:solidFill>
-                  <a:schemeClr val="bg1">
-                    <a:lumMod val="65000"/>
-                  </a:schemeClr>
-                </a:solidFill>
-              </a:rPr>
-              <a:t>--Delete an image </a:t>
-            </a:r>
-          </a:p>
-          <a:p>
-            <a:r>
-              <a:rPr lang="en-US" sz="1200" b="1" dirty="0"/>
-              <a:t>docker </a:t>
-            </a:r>
-            <a:r>
-              <a:rPr lang="en-US" sz="1200" b="1" dirty="0" err="1"/>
-              <a:t>rmi</a:t>
-            </a:r>
-            <a:r>
-              <a:rPr lang="en-US" sz="1200" b="1" dirty="0"/>
-              <a:t> IMAGE</a:t>
-            </a:r>
-          </a:p>
-          <a:p>
-            <a:endParaRPr lang="en-US" sz="1200" b="1" dirty="0"/>
-          </a:p>
-          <a:p>
-            <a:r>
-              <a:rPr lang="en-US" sz="1200" b="1" dirty="0">
-                <a:solidFill>
-                  <a:schemeClr val="bg1">
-                    <a:lumMod val="65000"/>
-                  </a:schemeClr>
-                </a:solidFill>
-              </a:rPr>
-              <a:t>--Show a list if all Images </a:t>
-            </a:r>
-          </a:p>
-          <a:p>
-            <a:r>
-              <a:rPr lang="en-US" sz="1200" b="1" dirty="0">
-                <a:solidFill>
-                  <a:schemeClr val="accent1">
-                    <a:lumMod val="75000"/>
-                  </a:schemeClr>
-                </a:solidFill>
-              </a:rPr>
-              <a:t>Docker images</a:t>
-            </a:r>
-          </a:p>
-          <a:p>
-            <a:endParaRPr lang="en-US" sz="1200" b="1" dirty="0"/>
-          </a:p>
-          <a:p>
-            <a:r>
-              <a:rPr lang="en-US" sz="1200" b="1" dirty="0">
-                <a:solidFill>
-                  <a:schemeClr val="bg1">
-                    <a:lumMod val="65000"/>
-                  </a:schemeClr>
-                </a:solidFill>
-              </a:rPr>
-              <a:t>--Delete dangling images </a:t>
-            </a:r>
-          </a:p>
-          <a:p>
-            <a:r>
-              <a:rPr lang="en-US" sz="1200" b="1" dirty="0"/>
-              <a:t>docker image prune</a:t>
-            </a:r>
-          </a:p>
-          <a:p>
-            <a:endParaRPr lang="en-US" sz="1200" b="1" dirty="0"/>
-          </a:p>
-          <a:p>
-            <a:r>
-              <a:rPr lang="en-US" sz="1200" b="1" dirty="0">
-                <a:solidFill>
-                  <a:schemeClr val="bg1">
-                    <a:lumMod val="65000"/>
-                  </a:schemeClr>
-                </a:solidFill>
-              </a:rPr>
-              <a:t>--Delete all unused images </a:t>
-            </a:r>
-          </a:p>
-          <a:p>
-            <a:r>
-              <a:rPr lang="en-US" sz="1200" b="1" dirty="0"/>
-              <a:t>docker image prune -a</a:t>
-            </a:r>
-          </a:p>
-        </p:txBody>
-      </p:sp>
-      <p:sp>
-        <p:nvSpPr>
-          <p:cNvPr id="13" name="CuadroTexto 12">
-            <a:extLst>
-              <a:ext uri="{FF2B5EF4-FFF2-40B4-BE49-F238E27FC236}">
-                <a16:creationId xmlns:a16="http://schemas.microsoft.com/office/drawing/2014/main" id="{74A8AF6B-EFD7-AEE0-F4DA-B2D7D4F0D122}"/>
-              </a:ext>
-            </a:extLst>
-          </p:cNvPr>
-          <p:cNvSpPr txBox="1"/>
-          <p:nvPr/>
-        </p:nvSpPr>
-        <p:spPr>
-          <a:xfrm>
-            <a:off x="744630" y="954285"/>
-            <a:ext cx="1706942" cy="338554"/>
-          </a:xfrm>
-          <a:prstGeom prst="rect">
-            <a:avLst/>
-          </a:prstGeom>
-          <a:noFill/>
-        </p:spPr>
-        <p:txBody>
-          <a:bodyPr wrap="none" rtlCol="0">
-            <a:spAutoFit/>
-          </a:bodyPr>
-          <a:lstStyle/>
-          <a:p>
-            <a:r>
-              <a:rPr lang="es-PE" sz="1600" b="1" dirty="0"/>
-              <a:t>MANAGE </a:t>
-            </a:r>
-            <a:r>
-              <a:rPr lang="es-PE" sz="1600" b="1" dirty="0">
-                <a:solidFill>
-                  <a:schemeClr val="accent1"/>
-                </a:solidFill>
-              </a:rPr>
-              <a:t>IMAGES</a:t>
-            </a:r>
-          </a:p>
-        </p:txBody>
-      </p:sp>
-      <p:sp>
-        <p:nvSpPr>
-          <p:cNvPr id="14" name="CuadroTexto 13">
-            <a:extLst>
-              <a:ext uri="{FF2B5EF4-FFF2-40B4-BE49-F238E27FC236}">
-                <a16:creationId xmlns:a16="http://schemas.microsoft.com/office/drawing/2014/main" id="{CA882076-F9D1-FE89-4D52-D74DF66E62EB}"/>
-              </a:ext>
-            </a:extLst>
-          </p:cNvPr>
-          <p:cNvSpPr txBox="1"/>
-          <p:nvPr/>
-        </p:nvSpPr>
-        <p:spPr>
-          <a:xfrm>
-            <a:off x="9029253" y="1428680"/>
-            <a:ext cx="2466975" cy="1277273"/>
-          </a:xfrm>
-          <a:prstGeom prst="rect">
-            <a:avLst/>
-          </a:prstGeom>
-          <a:noFill/>
-        </p:spPr>
-        <p:txBody>
-          <a:bodyPr wrap="square" rtlCol="0">
-            <a:spAutoFit/>
-          </a:bodyPr>
-          <a:lstStyle/>
-          <a:p>
-            <a:r>
-              <a:rPr lang="en-US" sz="1100" b="1" dirty="0">
-                <a:solidFill>
-                  <a:schemeClr val="bg1">
-                    <a:lumMod val="65000"/>
-                  </a:schemeClr>
-                </a:solidFill>
-              </a:rPr>
-              <a:t>--Show changes in container </a:t>
-            </a:r>
-          </a:p>
-          <a:p>
-            <a:r>
-              <a:rPr lang="en-US" sz="1100" b="1" dirty="0"/>
-              <a:t>docker diff CONTAINER</a:t>
-            </a:r>
-          </a:p>
-          <a:p>
-            <a:r>
-              <a:rPr lang="en-US" sz="1100" b="1" dirty="0"/>
-              <a:t>docker diff web</a:t>
-            </a:r>
-          </a:p>
-          <a:p>
-            <a:endParaRPr lang="en-US" sz="1100" b="1" dirty="0"/>
-          </a:p>
-          <a:p>
-            <a:r>
-              <a:rPr lang="en-US" sz="1100" b="1" dirty="0">
-                <a:solidFill>
-                  <a:schemeClr val="bg1">
-                    <a:lumMod val="65000"/>
-                  </a:schemeClr>
-                </a:solidFill>
-              </a:rPr>
-              <a:t>--Show port mappings of a container </a:t>
-            </a:r>
-          </a:p>
-          <a:p>
-            <a:r>
-              <a:rPr lang="en-US" sz="1100" b="1" dirty="0"/>
-              <a:t>docker port CONTAINER</a:t>
-            </a:r>
-          </a:p>
-          <a:p>
-            <a:r>
-              <a:rPr lang="en-US" sz="1100" b="1" dirty="0"/>
-              <a:t>docker port web</a:t>
-            </a:r>
-            <a:endParaRPr lang="es-PE" sz="1100" b="1" dirty="0"/>
           </a:p>
         </p:txBody>
       </p:sp>
@@ -9226,7 +8906,7 @@
         <p:spPr>
           <a:xfrm>
             <a:off x="496050" y="124879"/>
-            <a:ext cx="5218095" cy="584775"/>
+            <a:ext cx="6333785" cy="584775"/>
           </a:xfrm>
           <a:prstGeom prst="rect">
             <a:avLst/>
@@ -9296,7 +8976,17 @@
                 <a:latin typeface="Arial" panose="020B0604020202020204" pitchFamily="34" charset="0"/>
                 <a:cs typeface="Arial" panose="020B0604020202020204" pitchFamily="34" charset="0"/>
               </a:rPr>
-              <a:t> Docker CLI</a:t>
+              <a:t> Docker </a:t>
+            </a:r>
+            <a:r>
+              <a:rPr lang="es-ES" sz="3200" dirty="0" err="1">
+                <a:solidFill>
+                  <a:srgbClr val="0065FF"/>
+                </a:solidFill>
+                <a:latin typeface="Arial" panose="020B0604020202020204" pitchFamily="34" charset="0"/>
+                <a:cs typeface="Arial" panose="020B0604020202020204" pitchFamily="34" charset="0"/>
+              </a:rPr>
+              <a:t>Compose</a:t>
             </a:r>
             <a:endParaRPr lang="es-PE" sz="3000" dirty="0">
               <a:solidFill>

--- a/01. Docker Sheet Personalizado/01.02. Evidencias/Docker Sheet.pptx
+++ b/01. Docker Sheet Personalizado/01.02. Evidencias/Docker Sheet.pptx
@@ -205,7 +205,7 @@
           <a:p>
             <a:fld id="{57AC5772-74E7-4D43-B691-9D9FB840DB27}" type="datetimeFigureOut">
               <a:rPr lang="es-PE" smtClean="0"/>
-              <a:t>13/04/2025</a:t>
+              <a:t>23/04/2025</a:t>
             </a:fld>
             <a:endParaRPr lang="es-PE"/>
           </a:p>
@@ -688,7 +688,7 @@
           <a:p>
             <a:fld id="{B2120083-014B-44DE-BC4D-74D8506D26D9}" type="datetimeFigureOut">
               <a:rPr lang="es-PE" smtClean="0"/>
-              <a:t>13/04/2025</a:t>
+              <a:t>23/04/2025</a:t>
             </a:fld>
             <a:endParaRPr lang="es-PE"/>
           </a:p>
@@ -888,7 +888,7 @@
           <a:p>
             <a:fld id="{B2120083-014B-44DE-BC4D-74D8506D26D9}" type="datetimeFigureOut">
               <a:rPr lang="es-PE" smtClean="0"/>
-              <a:t>13/04/2025</a:t>
+              <a:t>23/04/2025</a:t>
             </a:fld>
             <a:endParaRPr lang="es-PE"/>
           </a:p>
@@ -1068,7 +1068,7 @@
           <a:p>
             <a:fld id="{B2120083-014B-44DE-BC4D-74D8506D26D9}" type="datetimeFigureOut">
               <a:rPr lang="es-PE" smtClean="0"/>
-              <a:t>13/04/2025</a:t>
+              <a:t>23/04/2025</a:t>
             </a:fld>
             <a:endParaRPr lang="es-PE"/>
           </a:p>
@@ -1344,7 +1344,7 @@
           <a:p>
             <a:fld id="{B2120083-014B-44DE-BC4D-74D8506D26D9}" type="datetimeFigureOut">
               <a:rPr lang="es-PE" smtClean="0"/>
-              <a:t>13/04/2025</a:t>
+              <a:t>23/04/2025</a:t>
             </a:fld>
             <a:endParaRPr lang="es-PE"/>
           </a:p>
@@ -1576,7 +1576,7 @@
           <a:p>
             <a:fld id="{B2120083-014B-44DE-BC4D-74D8506D26D9}" type="datetimeFigureOut">
               <a:rPr lang="es-PE" smtClean="0"/>
-              <a:t>13/04/2025</a:t>
+              <a:t>23/04/2025</a:t>
             </a:fld>
             <a:endParaRPr lang="es-PE"/>
           </a:p>
@@ -1943,7 +1943,7 @@
           <a:p>
             <a:fld id="{B2120083-014B-44DE-BC4D-74D8506D26D9}" type="datetimeFigureOut">
               <a:rPr lang="es-PE" smtClean="0"/>
-              <a:t>13/04/2025</a:t>
+              <a:t>23/04/2025</a:t>
             </a:fld>
             <a:endParaRPr lang="es-PE"/>
           </a:p>
@@ -2061,7 +2061,7 @@
           <a:p>
             <a:fld id="{B2120083-014B-44DE-BC4D-74D8506D26D9}" type="datetimeFigureOut">
               <a:rPr lang="es-PE" smtClean="0"/>
-              <a:t>13/04/2025</a:t>
+              <a:t>23/04/2025</a:t>
             </a:fld>
             <a:endParaRPr lang="es-PE"/>
           </a:p>
@@ -2156,7 +2156,7 @@
           <a:p>
             <a:fld id="{B2120083-014B-44DE-BC4D-74D8506D26D9}" type="datetimeFigureOut">
               <a:rPr lang="es-PE" smtClean="0"/>
-              <a:t>13/04/2025</a:t>
+              <a:t>23/04/2025</a:t>
             </a:fld>
             <a:endParaRPr lang="es-PE"/>
           </a:p>
@@ -2433,7 +2433,7 @@
           <a:p>
             <a:fld id="{B2120083-014B-44DE-BC4D-74D8506D26D9}" type="datetimeFigureOut">
               <a:rPr lang="es-PE" smtClean="0"/>
-              <a:t>13/04/2025</a:t>
+              <a:t>23/04/2025</a:t>
             </a:fld>
             <a:endParaRPr lang="es-PE"/>
           </a:p>
@@ -2686,7 +2686,7 @@
           <a:p>
             <a:fld id="{B2120083-014B-44DE-BC4D-74D8506D26D9}" type="datetimeFigureOut">
               <a:rPr lang="es-PE" smtClean="0"/>
-              <a:t>13/04/2025</a:t>
+              <a:t>23/04/2025</a:t>
             </a:fld>
             <a:endParaRPr lang="es-PE"/>
           </a:p>
@@ -2899,7 +2899,7 @@
           <a:p>
             <a:fld id="{B2120083-014B-44DE-BC4D-74D8506D26D9}" type="datetimeFigureOut">
               <a:rPr lang="es-PE" smtClean="0"/>
-              <a:t>13/04/2025</a:t>
+              <a:t>23/04/2025</a:t>
             </a:fld>
             <a:endParaRPr lang="es-PE"/>
           </a:p>
@@ -8426,7 +8426,7 @@
         <p:spPr>
           <a:xfrm>
             <a:off x="800552" y="1292839"/>
-            <a:ext cx="2466975" cy="3970318"/>
+            <a:ext cx="2466975" cy="4154984"/>
           </a:xfrm>
           <a:prstGeom prst="rect">
             <a:avLst/>
@@ -8715,7 +8715,17 @@
                   </a:schemeClr>
                 </a:solidFill>
               </a:rPr>
-              <a:t>--Bajar un docker compose </a:t>
+              <a:t>--</a:t>
+            </a:r>
+            <a:r>
+              <a:rPr lang="es-MX" sz="1200" b="1" dirty="0">
+                <a:solidFill>
+                  <a:schemeClr val="bg1">
+                    <a:lumMod val="65000"/>
+                  </a:schemeClr>
+                </a:solidFill>
+              </a:rPr>
+              <a:t>Destruir los contenedores creados en el escenario y la red </a:t>
             </a:r>
             <a:r>
               <a:rPr lang="en-US" sz="1200" b="1" dirty="0" err="1">
@@ -8758,7 +8768,7 @@
           <a:p>
             <a:r>
               <a:rPr lang="en-US" sz="1200" b="1" dirty="0"/>
-              <a:t>docker compose –f .\docker-</a:t>
+              <a:t>docker compose –f docker-</a:t>
             </a:r>
             <a:r>
               <a:rPr lang="en-US" sz="1200" b="1" dirty="0" err="1"/>
@@ -8852,6 +8862,434 @@
           </a:p>
           <a:p>
             <a:endParaRPr lang="en-US" sz="1200" b="1" dirty="0"/>
+          </a:p>
+        </p:txBody>
+      </p:sp>
+      <p:sp>
+        <p:nvSpPr>
+          <p:cNvPr id="2" name="CuadroTexto 1">
+            <a:extLst>
+              <a:ext uri="{FF2B5EF4-FFF2-40B4-BE49-F238E27FC236}">
+                <a16:creationId xmlns:a16="http://schemas.microsoft.com/office/drawing/2014/main" id="{6BB3DB6B-1356-4B94-C229-9285288E1ECC}"/>
+              </a:ext>
+            </a:extLst>
+          </p:cNvPr>
+          <p:cNvSpPr txBox="1"/>
+          <p:nvPr/>
+        </p:nvSpPr>
+        <p:spPr>
+          <a:xfrm>
+            <a:off x="3662942" y="1292839"/>
+            <a:ext cx="2466975" cy="4524315"/>
+          </a:xfrm>
+          <a:prstGeom prst="rect">
+            <a:avLst/>
+          </a:prstGeom>
+          <a:noFill/>
+        </p:spPr>
+        <p:txBody>
+          <a:bodyPr wrap="square" rtlCol="0">
+            <a:spAutoFit/>
+          </a:bodyPr>
+          <a:lstStyle/>
+          <a:p>
+            <a:r>
+              <a:rPr lang="en-US" sz="1200" b="1" dirty="0">
+                <a:solidFill>
+                  <a:schemeClr val="bg1">
+                    <a:lumMod val="65000"/>
+                  </a:schemeClr>
+                </a:solidFill>
+              </a:rPr>
+              <a:t>--</a:t>
+            </a:r>
+            <a:r>
+              <a:rPr lang="en-US" sz="1200" b="1" dirty="0" err="1">
+                <a:solidFill>
+                  <a:schemeClr val="bg1">
+                    <a:lumMod val="65000"/>
+                  </a:schemeClr>
+                </a:solidFill>
+              </a:rPr>
+              <a:t>Construir</a:t>
+            </a:r>
+            <a:r>
+              <a:rPr lang="en-US" sz="1200" b="1" dirty="0">
+                <a:solidFill>
+                  <a:schemeClr val="bg1">
+                    <a:lumMod val="65000"/>
+                  </a:schemeClr>
+                </a:solidFill>
+              </a:rPr>
+              <a:t> o </a:t>
+            </a:r>
+            <a:r>
+              <a:rPr lang="en-US" sz="1200" b="1" dirty="0" err="1">
+                <a:solidFill>
+                  <a:schemeClr val="bg1">
+                    <a:lumMod val="65000"/>
+                  </a:schemeClr>
+                </a:solidFill>
+              </a:rPr>
+              <a:t>reconstruir</a:t>
+            </a:r>
+            <a:r>
+              <a:rPr lang="en-US" sz="1200" b="1" dirty="0">
+                <a:solidFill>
+                  <a:schemeClr val="bg1">
+                    <a:lumMod val="65000"/>
+                  </a:schemeClr>
+                </a:solidFill>
+              </a:rPr>
+              <a:t> </a:t>
+            </a:r>
+            <a:r>
+              <a:rPr lang="en-US" sz="1200" b="1" dirty="0" err="1">
+                <a:solidFill>
+                  <a:schemeClr val="bg1">
+                    <a:lumMod val="65000"/>
+                  </a:schemeClr>
+                </a:solidFill>
+              </a:rPr>
+              <a:t>servicios</a:t>
+            </a:r>
+            <a:endParaRPr lang="en-US" sz="1200" b="1" dirty="0">
+              <a:solidFill>
+                <a:schemeClr val="bg1">
+                  <a:lumMod val="65000"/>
+                </a:schemeClr>
+              </a:solidFill>
+            </a:endParaRPr>
+          </a:p>
+          <a:p>
+            <a:r>
+              <a:rPr lang="en-US" sz="1200" b="1" dirty="0"/>
+              <a:t>Docker compose build</a:t>
+            </a:r>
+          </a:p>
+          <a:p>
+            <a:endParaRPr lang="en-US" sz="1200" b="1" dirty="0"/>
+          </a:p>
+          <a:p>
+            <a:r>
+              <a:rPr lang="en-US" sz="1200" b="1" dirty="0">
+                <a:solidFill>
+                  <a:schemeClr val="bg1">
+                    <a:lumMod val="65000"/>
+                  </a:schemeClr>
+                </a:solidFill>
+              </a:rPr>
+              <a:t>--</a:t>
+            </a:r>
+            <a:r>
+              <a:rPr lang="en-US" sz="1200" b="1" dirty="0" err="1">
+                <a:solidFill>
+                  <a:schemeClr val="bg1">
+                    <a:lumMod val="65000"/>
+                  </a:schemeClr>
+                </a:solidFill>
+              </a:rPr>
+              <a:t>Inicia</a:t>
+            </a:r>
+            <a:r>
+              <a:rPr lang="en-US" sz="1200" b="1" dirty="0">
+                <a:solidFill>
+                  <a:schemeClr val="bg1">
+                    <a:lumMod val="65000"/>
+                  </a:schemeClr>
+                </a:solidFill>
+              </a:rPr>
+              <a:t> un container </a:t>
+            </a:r>
+            <a:r>
+              <a:rPr lang="en-US" sz="1200" b="1" dirty="0" err="1">
+                <a:solidFill>
+                  <a:schemeClr val="bg1">
+                    <a:lumMod val="65000"/>
+                  </a:schemeClr>
+                </a:solidFill>
+              </a:rPr>
+              <a:t>existente</a:t>
+            </a:r>
+            <a:endParaRPr lang="en-US" sz="1200" b="1" dirty="0">
+              <a:solidFill>
+                <a:schemeClr val="bg1">
+                  <a:lumMod val="65000"/>
+                </a:schemeClr>
+              </a:solidFill>
+            </a:endParaRPr>
+          </a:p>
+          <a:p>
+            <a:r>
+              <a:rPr lang="en-US" sz="1200" b="1" dirty="0"/>
+              <a:t>docker-compose start NAME_CONTAINER</a:t>
+            </a:r>
+          </a:p>
+          <a:p>
+            <a:endParaRPr lang="en-US" sz="1200" b="1" dirty="0"/>
+          </a:p>
+          <a:p>
+            <a:r>
+              <a:rPr lang="en-US" sz="1200" b="1" dirty="0">
+                <a:solidFill>
+                  <a:schemeClr val="bg1">
+                    <a:lumMod val="65000"/>
+                  </a:schemeClr>
+                </a:solidFill>
+              </a:rPr>
+              <a:t>--</a:t>
+            </a:r>
+            <a:r>
+              <a:rPr lang="en-US" sz="1200" b="1" dirty="0" err="1">
+                <a:solidFill>
+                  <a:schemeClr val="bg1">
+                    <a:lumMod val="65000"/>
+                  </a:schemeClr>
+                </a:solidFill>
+              </a:rPr>
+              <a:t>Detiene</a:t>
+            </a:r>
+            <a:r>
+              <a:rPr lang="en-US" sz="1200" b="1" dirty="0">
+                <a:solidFill>
+                  <a:schemeClr val="bg1">
+                    <a:lumMod val="65000"/>
+                  </a:schemeClr>
+                </a:solidFill>
+              </a:rPr>
+              <a:t> un container </a:t>
+            </a:r>
+            <a:r>
+              <a:rPr lang="en-US" sz="1200" b="1" dirty="0" err="1">
+                <a:solidFill>
+                  <a:schemeClr val="bg1">
+                    <a:lumMod val="65000"/>
+                  </a:schemeClr>
+                </a:solidFill>
+              </a:rPr>
+              <a:t>existente</a:t>
+            </a:r>
+            <a:endParaRPr lang="en-US" sz="1200" b="1" dirty="0">
+              <a:solidFill>
+                <a:schemeClr val="bg1">
+                  <a:lumMod val="65000"/>
+                </a:schemeClr>
+              </a:solidFill>
+            </a:endParaRPr>
+          </a:p>
+          <a:p>
+            <a:r>
+              <a:rPr lang="en-US" sz="1200" b="1" dirty="0"/>
+              <a:t>docker-compose stop NAME_CONTAINER</a:t>
+            </a:r>
+          </a:p>
+          <a:p>
+            <a:endParaRPr lang="en-US" sz="1200" b="1" dirty="0"/>
+          </a:p>
+          <a:p>
+            <a:r>
+              <a:rPr lang="en-US" sz="1200" b="1" dirty="0">
+                <a:solidFill>
+                  <a:schemeClr val="bg1">
+                    <a:lumMod val="65000"/>
+                  </a:schemeClr>
+                </a:solidFill>
+              </a:rPr>
+              <a:t>--</a:t>
+            </a:r>
+            <a:r>
+              <a:rPr lang="en-US" sz="1200" b="1" dirty="0" err="1">
+                <a:solidFill>
+                  <a:schemeClr val="bg1">
+                    <a:lumMod val="65000"/>
+                  </a:schemeClr>
+                </a:solidFill>
+              </a:rPr>
+              <a:t>Inicia</a:t>
+            </a:r>
+            <a:r>
+              <a:rPr lang="en-US" sz="1200" b="1" dirty="0">
+                <a:solidFill>
+                  <a:schemeClr val="bg1">
+                    <a:lumMod val="65000"/>
+                  </a:schemeClr>
+                </a:solidFill>
+              </a:rPr>
+              <a:t> </a:t>
+            </a:r>
+            <a:r>
+              <a:rPr lang="en-US" sz="1200" b="1" dirty="0" err="1">
+                <a:solidFill>
+                  <a:schemeClr val="bg1">
+                    <a:lumMod val="65000"/>
+                  </a:schemeClr>
+                </a:solidFill>
+              </a:rPr>
+              <a:t>los</a:t>
+            </a:r>
+            <a:r>
+              <a:rPr lang="en-US" sz="1200" b="1" dirty="0">
+                <a:solidFill>
+                  <a:schemeClr val="bg1">
+                    <a:lumMod val="65000"/>
+                  </a:schemeClr>
+                </a:solidFill>
+              </a:rPr>
+              <a:t> </a:t>
+            </a:r>
+            <a:r>
+              <a:rPr lang="en-US" sz="1200" b="1" dirty="0" err="1">
+                <a:solidFill>
+                  <a:schemeClr val="bg1">
+                    <a:lumMod val="65000"/>
+                  </a:schemeClr>
+                </a:solidFill>
+              </a:rPr>
+              <a:t>contenedores</a:t>
+            </a:r>
+            <a:r>
+              <a:rPr lang="en-US" sz="1200" b="1" dirty="0">
+                <a:solidFill>
+                  <a:schemeClr val="bg1">
+                    <a:lumMod val="65000"/>
+                  </a:schemeClr>
+                </a:solidFill>
+              </a:rPr>
+              <a:t> </a:t>
+            </a:r>
+            <a:r>
+              <a:rPr lang="en-US" sz="1200" b="1" dirty="0" err="1">
+                <a:solidFill>
+                  <a:schemeClr val="bg1">
+                    <a:lumMod val="65000"/>
+                  </a:schemeClr>
+                </a:solidFill>
+              </a:rPr>
+              <a:t>descritos</a:t>
+            </a:r>
+            <a:r>
+              <a:rPr lang="en-US" sz="1200" b="1" dirty="0">
+                <a:solidFill>
+                  <a:schemeClr val="bg1">
+                    <a:lumMod val="65000"/>
+                  </a:schemeClr>
+                </a:solidFill>
+              </a:rPr>
+              <a:t> que </a:t>
+            </a:r>
+            <a:r>
+              <a:rPr lang="en-US" sz="1200" b="1" dirty="0" err="1">
+                <a:solidFill>
+                  <a:schemeClr val="bg1">
+                    <a:lumMod val="65000"/>
+                  </a:schemeClr>
+                </a:solidFill>
+              </a:rPr>
+              <a:t>esten</a:t>
+            </a:r>
+            <a:r>
+              <a:rPr lang="en-US" sz="1200" b="1" dirty="0">
+                <a:solidFill>
+                  <a:schemeClr val="bg1">
+                    <a:lumMod val="65000"/>
+                  </a:schemeClr>
+                </a:solidFill>
+              </a:rPr>
+              <a:t> parados</a:t>
+            </a:r>
+          </a:p>
+          <a:p>
+            <a:r>
+              <a:rPr lang="en-US" sz="1200" b="1" dirty="0"/>
+              <a:t>docker-compose run</a:t>
+            </a:r>
+          </a:p>
+          <a:p>
+            <a:endParaRPr lang="en-US" sz="1200" b="1" dirty="0"/>
+          </a:p>
+          <a:p>
+            <a:r>
+              <a:rPr lang="en-US" sz="1200" b="1" dirty="0">
+                <a:solidFill>
+                  <a:schemeClr val="bg1">
+                    <a:lumMod val="65000"/>
+                  </a:schemeClr>
+                </a:solidFill>
+              </a:rPr>
+              <a:t>--</a:t>
+            </a:r>
+            <a:r>
+              <a:rPr lang="es-MX" sz="1200" b="1" dirty="0">
+                <a:solidFill>
+                  <a:schemeClr val="bg1">
+                    <a:lumMod val="65000"/>
+                  </a:schemeClr>
+                </a:solidFill>
+              </a:rPr>
+              <a:t>Borra los contenedores parados del escenario.</a:t>
+            </a:r>
+            <a:r>
+              <a:rPr lang="en-US" sz="1200" b="1" dirty="0">
+                <a:solidFill>
+                  <a:schemeClr val="bg1">
+                    <a:lumMod val="65000"/>
+                  </a:schemeClr>
+                </a:solidFill>
+              </a:rPr>
+              <a:t> </a:t>
+            </a:r>
+          </a:p>
+          <a:p>
+            <a:r>
+              <a:rPr lang="en-US" sz="1200" b="1" dirty="0"/>
+              <a:t>docker-compose rm</a:t>
+            </a:r>
+          </a:p>
+          <a:p>
+            <a:endParaRPr lang="en-US" sz="1200" b="1" dirty="0"/>
+          </a:p>
+          <a:p>
+            <a:r>
+              <a:rPr lang="en-US" sz="1200" b="1" dirty="0">
+                <a:solidFill>
+                  <a:schemeClr val="bg1">
+                    <a:lumMod val="65000"/>
+                  </a:schemeClr>
+                </a:solidFill>
+              </a:rPr>
+              <a:t>--</a:t>
+            </a:r>
+            <a:r>
+              <a:rPr lang="es-MX" sz="1200" b="1" dirty="0">
+                <a:solidFill>
+                  <a:schemeClr val="bg1">
+                    <a:lumMod val="65000"/>
+                  </a:schemeClr>
+                </a:solidFill>
+              </a:rPr>
+              <a:t>Destruir los contenedores creados en el escenario y la red  y eliminar el volumen que se ha creado </a:t>
+            </a:r>
+            <a:endParaRPr lang="en-US" sz="1200" b="1" dirty="0">
+              <a:solidFill>
+                <a:schemeClr val="bg1">
+                  <a:lumMod val="65000"/>
+                </a:schemeClr>
+              </a:solidFill>
+            </a:endParaRPr>
+          </a:p>
+          <a:p>
+            <a:r>
+              <a:rPr lang="en-US" sz="1200" b="1" dirty="0"/>
+              <a:t>docker compose –f docker-</a:t>
+            </a:r>
+            <a:r>
+              <a:rPr lang="en-US" sz="1200" b="1" dirty="0" err="1"/>
+              <a:t>compose.yml</a:t>
+            </a:r>
+            <a:r>
+              <a:rPr lang="en-US" sz="1200" b="1" dirty="0"/>
+              <a:t> down -v</a:t>
+            </a:r>
           </a:p>
         </p:txBody>
       </p:sp>
@@ -8906,7 +9344,7 @@
         <p:spPr>
           <a:xfrm>
             <a:off x="496050" y="124879"/>
-            <a:ext cx="6333785" cy="584775"/>
+            <a:ext cx="7018075" cy="584775"/>
           </a:xfrm>
           <a:prstGeom prst="rect">
             <a:avLst/>
@@ -8976,7 +9414,7 @@
                 <a:latin typeface="Arial" panose="020B0604020202020204" pitchFamily="34" charset="0"/>
                 <a:cs typeface="Arial" panose="020B0604020202020204" pitchFamily="34" charset="0"/>
               </a:rPr>
-              <a:t> Docker </a:t>
+              <a:t> </a:t>
             </a:r>
             <a:r>
               <a:rPr lang="es-ES" sz="3200" dirty="0" err="1">
@@ -8986,7 +9424,27 @@
                 <a:latin typeface="Arial" panose="020B0604020202020204" pitchFamily="34" charset="0"/>
                 <a:cs typeface="Arial" panose="020B0604020202020204" pitchFamily="34" charset="0"/>
               </a:rPr>
-              <a:t>Compose</a:t>
+              <a:t>Volumenes</a:t>
+            </a:r>
+            <a:r>
+              <a:rPr lang="es-ES" sz="3200" dirty="0">
+                <a:solidFill>
+                  <a:srgbClr val="0065FF"/>
+                </a:solidFill>
+                <a:latin typeface="Arial" panose="020B0604020202020204" pitchFamily="34" charset="0"/>
+                <a:cs typeface="Arial" panose="020B0604020202020204" pitchFamily="34" charset="0"/>
+              </a:rPr>
+              <a:t> y </a:t>
+            </a:r>
+            <a:r>
+              <a:rPr lang="es-ES" sz="3200" dirty="0" err="1">
+                <a:solidFill>
+                  <a:srgbClr val="0065FF"/>
+                </a:solidFill>
+                <a:latin typeface="Arial" panose="020B0604020202020204" pitchFamily="34" charset="0"/>
+                <a:cs typeface="Arial" panose="020B0604020202020204" pitchFamily="34" charset="0"/>
+              </a:rPr>
+              <a:t>Secrets</a:t>
             </a:r>
             <a:endParaRPr lang="es-PE" sz="3000" dirty="0">
               <a:solidFill>
@@ -8995,480 +9453,6 @@
               <a:latin typeface="Arial" panose="020B0604020202020204" pitchFamily="34" charset="0"/>
               <a:cs typeface="Arial" panose="020B0604020202020204" pitchFamily="34" charset="0"/>
             </a:endParaRPr>
-          </a:p>
-        </p:txBody>
-      </p:sp>
-      <p:sp>
-        <p:nvSpPr>
-          <p:cNvPr id="6" name="CuadroTexto 5">
-            <a:extLst>
-              <a:ext uri="{FF2B5EF4-FFF2-40B4-BE49-F238E27FC236}">
-                <a16:creationId xmlns:a16="http://schemas.microsoft.com/office/drawing/2014/main" id="{59DBA396-351C-3B33-8942-2FD60A21338F}"/>
-              </a:ext>
-            </a:extLst>
-          </p:cNvPr>
-          <p:cNvSpPr txBox="1"/>
-          <p:nvPr/>
-        </p:nvSpPr>
-        <p:spPr>
-          <a:xfrm>
-            <a:off x="3682630" y="1263520"/>
-            <a:ext cx="2466975" cy="3647152"/>
-          </a:xfrm>
-          <a:prstGeom prst="rect">
-            <a:avLst/>
-          </a:prstGeom>
-          <a:noFill/>
-        </p:spPr>
-        <p:txBody>
-          <a:bodyPr wrap="square" rtlCol="0">
-            <a:spAutoFit/>
-          </a:bodyPr>
-          <a:lstStyle/>
-          <a:p>
-            <a:endParaRPr lang="en-US" sz="1100" b="1" dirty="0"/>
-          </a:p>
-          <a:p>
-            <a:r>
-              <a:rPr lang="en-US" sz="1100" b="1" dirty="0">
-                <a:solidFill>
-                  <a:schemeClr val="bg1">
-                    <a:lumMod val="65000"/>
-                  </a:schemeClr>
-                </a:solidFill>
-              </a:rPr>
-              <a:t>--Build image from a </a:t>
-            </a:r>
-            <a:r>
-              <a:rPr lang="en-US" sz="1100" b="1" dirty="0" err="1">
-                <a:solidFill>
-                  <a:schemeClr val="bg1">
-                    <a:lumMod val="65000"/>
-                  </a:schemeClr>
-                </a:solidFill>
-              </a:rPr>
-              <a:t>Dockerfile</a:t>
-            </a:r>
-            <a:r>
-              <a:rPr lang="en-US" sz="1100" b="1" dirty="0">
-                <a:solidFill>
-                  <a:schemeClr val="bg1">
-                    <a:lumMod val="65000"/>
-                  </a:schemeClr>
-                </a:solidFill>
-              </a:rPr>
-              <a:t> </a:t>
-            </a:r>
-          </a:p>
-          <a:p>
-            <a:r>
-              <a:rPr lang="en-US" sz="1100" b="1" dirty="0"/>
-              <a:t>docker build  DIRECTORY</a:t>
-            </a:r>
-          </a:p>
-          <a:p>
-            <a:r>
-              <a:rPr lang="en-US" sz="1100" b="1" dirty="0"/>
-              <a:t>docker build </a:t>
-            </a:r>
-          </a:p>
-          <a:p>
-            <a:endParaRPr lang="en-US" sz="1100" b="1" dirty="0"/>
-          </a:p>
-          <a:p>
-            <a:r>
-              <a:rPr lang="en-US" sz="1100" b="1" dirty="0">
-                <a:solidFill>
-                  <a:schemeClr val="bg1">
-                    <a:lumMod val="65000"/>
-                  </a:schemeClr>
-                </a:solidFill>
-              </a:rPr>
-              <a:t>--Tag an image </a:t>
-            </a:r>
-          </a:p>
-          <a:p>
-            <a:r>
-              <a:rPr lang="en-US" sz="1100" b="1" dirty="0"/>
-              <a:t>docker tag IMAGE NEWIMAGE</a:t>
-            </a:r>
-          </a:p>
-          <a:p>
-            <a:r>
-              <a:rPr lang="en-US" sz="1100" b="1" dirty="0"/>
-              <a:t>docker tag ubuntu ubuntu:18.04</a:t>
-            </a:r>
-          </a:p>
-          <a:p>
-            <a:endParaRPr lang="en-US" sz="1100" b="1" dirty="0"/>
-          </a:p>
-          <a:p>
-            <a:r>
-              <a:rPr lang="en-US" sz="1100" b="1" dirty="0">
-                <a:solidFill>
-                  <a:schemeClr val="bg1">
-                    <a:lumMod val="65000"/>
-                  </a:schemeClr>
-                </a:solidFill>
-              </a:rPr>
-              <a:t>--Build and tag an image from a </a:t>
-            </a:r>
-            <a:r>
-              <a:rPr lang="en-US" sz="1100" b="1" dirty="0" err="1">
-                <a:solidFill>
-                  <a:schemeClr val="bg1">
-                    <a:lumMod val="65000"/>
-                  </a:schemeClr>
-                </a:solidFill>
-              </a:rPr>
-              <a:t>Dockerfile</a:t>
-            </a:r>
-            <a:r>
-              <a:rPr lang="en-US" sz="1100" b="1" dirty="0">
-                <a:solidFill>
-                  <a:schemeClr val="bg1">
-                    <a:lumMod val="65000"/>
-                  </a:schemeClr>
-                </a:solidFill>
-              </a:rPr>
-              <a:t> </a:t>
-            </a:r>
-          </a:p>
-          <a:p>
-            <a:r>
-              <a:rPr lang="en-US" sz="1100" b="1" dirty="0"/>
-              <a:t>docker build -t IMAGE  DIRECTORY</a:t>
-            </a:r>
-          </a:p>
-          <a:p>
-            <a:r>
-              <a:rPr lang="en-US" sz="1100" b="1" dirty="0"/>
-              <a:t>docker build -t </a:t>
-            </a:r>
-            <a:r>
-              <a:rPr lang="en-US" sz="1100" b="1" dirty="0" err="1"/>
-              <a:t>myimage</a:t>
-            </a:r>
-            <a:r>
-              <a:rPr lang="en-US" sz="1100" b="1" dirty="0"/>
-              <a:t> </a:t>
-            </a:r>
-          </a:p>
-          <a:p>
-            <a:endParaRPr lang="en-US" sz="1100" b="1" dirty="0"/>
-          </a:p>
-          <a:p>
-            <a:r>
-              <a:rPr lang="en-US" sz="1100" b="1" dirty="0">
-                <a:solidFill>
-                  <a:schemeClr val="bg1">
-                    <a:lumMod val="65000"/>
-                  </a:schemeClr>
-                </a:solidFill>
-              </a:rPr>
-              <a:t>--Save image to a file </a:t>
-            </a:r>
-          </a:p>
-          <a:p>
-            <a:r>
-              <a:rPr lang="en-US" sz="1100" b="1" dirty="0"/>
-              <a:t>docker save IMAGE &gt; FILE</a:t>
-            </a:r>
-          </a:p>
-          <a:p>
-            <a:r>
-              <a:rPr lang="en-US" sz="1100" b="1" dirty="0"/>
-              <a:t>docker save </a:t>
-            </a:r>
-            <a:r>
-              <a:rPr lang="en-US" sz="1100" b="1" dirty="0" err="1"/>
-              <a:t>nginx</a:t>
-            </a:r>
-            <a:r>
-              <a:rPr lang="en-US" sz="1100" b="1" dirty="0"/>
-              <a:t> &gt; nginx.tar</a:t>
-            </a:r>
-          </a:p>
-          <a:p>
-            <a:endParaRPr lang="en-US" sz="1100" b="1" dirty="0"/>
-          </a:p>
-          <a:p>
-            <a:r>
-              <a:rPr lang="en-US" sz="1100" b="1" dirty="0">
-                <a:solidFill>
-                  <a:schemeClr val="bg1">
-                    <a:lumMod val="65000"/>
-                  </a:schemeClr>
-                </a:solidFill>
-              </a:rPr>
-              <a:t>--Load image from a file </a:t>
-            </a:r>
-          </a:p>
-          <a:p>
-            <a:r>
-              <a:rPr lang="en-US" sz="1100" b="1" dirty="0"/>
-              <a:t>docker load -</a:t>
-            </a:r>
-            <a:r>
-              <a:rPr lang="en-US" sz="1100" b="1" dirty="0" err="1"/>
-              <a:t>i</a:t>
-            </a:r>
-            <a:r>
-              <a:rPr lang="en-US" sz="1100" b="1" dirty="0"/>
-              <a:t> TARFILE</a:t>
-            </a:r>
-          </a:p>
-          <a:p>
-            <a:r>
-              <a:rPr lang="en-US" sz="1100" b="1" dirty="0"/>
-              <a:t>docker load -</a:t>
-            </a:r>
-            <a:r>
-              <a:rPr lang="en-US" sz="1100" b="1" dirty="0" err="1"/>
-              <a:t>i</a:t>
-            </a:r>
-            <a:r>
-              <a:rPr lang="en-US" sz="1100" b="1" dirty="0"/>
-              <a:t> nginx.tar</a:t>
-            </a:r>
-            <a:endParaRPr lang="es-PE" sz="1100" b="1" dirty="0"/>
-          </a:p>
-        </p:txBody>
-      </p:sp>
-      <p:sp>
-        <p:nvSpPr>
-          <p:cNvPr id="7" name="CuadroTexto 6">
-            <a:extLst>
-              <a:ext uri="{FF2B5EF4-FFF2-40B4-BE49-F238E27FC236}">
-                <a16:creationId xmlns:a16="http://schemas.microsoft.com/office/drawing/2014/main" id="{BF924EC6-BBD3-98EE-ABE7-B3F2F4C844AC}"/>
-              </a:ext>
-            </a:extLst>
-          </p:cNvPr>
-          <p:cNvSpPr txBox="1"/>
-          <p:nvPr/>
-        </p:nvSpPr>
-        <p:spPr>
-          <a:xfrm>
-            <a:off x="6564708" y="1432797"/>
-            <a:ext cx="2466975" cy="3647152"/>
-          </a:xfrm>
-          <a:prstGeom prst="rect">
-            <a:avLst/>
-          </a:prstGeom>
-          <a:noFill/>
-        </p:spPr>
-        <p:txBody>
-          <a:bodyPr wrap="square" rtlCol="0">
-            <a:spAutoFit/>
-          </a:bodyPr>
-          <a:lstStyle/>
-          <a:p>
-            <a:r>
-              <a:rPr lang="en-US" sz="1100" b="1" dirty="0">
-                <a:solidFill>
-                  <a:schemeClr val="bg1">
-                    <a:lumMod val="65000"/>
-                  </a:schemeClr>
-                </a:solidFill>
-              </a:rPr>
-              <a:t>--Show the logs of a container </a:t>
-            </a:r>
-          </a:p>
-          <a:p>
-            <a:r>
-              <a:rPr lang="en-US" sz="1100" b="1" dirty="0"/>
-              <a:t>docker logs CONTAINER</a:t>
-            </a:r>
-          </a:p>
-          <a:p>
-            <a:r>
-              <a:rPr lang="en-US" sz="1100" b="1" dirty="0"/>
-              <a:t>docker logs web</a:t>
-            </a:r>
-          </a:p>
-          <a:p>
-            <a:endParaRPr lang="en-US" sz="1100" b="1" dirty="0"/>
-          </a:p>
-          <a:p>
-            <a:r>
-              <a:rPr lang="en-US" sz="1100" b="1" dirty="0">
-                <a:solidFill>
-                  <a:schemeClr val="bg1">
-                    <a:lumMod val="65000"/>
-                  </a:schemeClr>
-                </a:solidFill>
-              </a:rPr>
-              <a:t>--Show stats of running containers </a:t>
-            </a:r>
-          </a:p>
-          <a:p>
-            <a:r>
-              <a:rPr lang="en-US" sz="1100" b="1" dirty="0"/>
-              <a:t>docker stats</a:t>
-            </a:r>
-          </a:p>
-          <a:p>
-            <a:endParaRPr lang="en-US" sz="1100" b="1" dirty="0"/>
-          </a:p>
-          <a:p>
-            <a:r>
-              <a:rPr lang="en-US" sz="1100" b="1" dirty="0">
-                <a:solidFill>
-                  <a:schemeClr val="bg1">
-                    <a:lumMod val="65000"/>
-                  </a:schemeClr>
-                </a:solidFill>
-              </a:rPr>
-              <a:t>--Show processes running in container </a:t>
-            </a:r>
-          </a:p>
-          <a:p>
-            <a:r>
-              <a:rPr lang="en-US" sz="1100" b="1" dirty="0"/>
-              <a:t>docker top CONTAINER</a:t>
-            </a:r>
-          </a:p>
-          <a:p>
-            <a:r>
-              <a:rPr lang="en-US" sz="1100" b="1" dirty="0"/>
-              <a:t>docker top web</a:t>
-            </a:r>
-          </a:p>
-          <a:p>
-            <a:endParaRPr lang="en-US" sz="1100" b="1" dirty="0"/>
-          </a:p>
-          <a:p>
-            <a:r>
-              <a:rPr lang="en-US" sz="1100" b="1" dirty="0">
-                <a:solidFill>
-                  <a:schemeClr val="bg1">
-                    <a:lumMod val="65000"/>
-                  </a:schemeClr>
-                </a:solidFill>
-              </a:rPr>
-              <a:t>--Show docker version </a:t>
-            </a:r>
-          </a:p>
-          <a:p>
-            <a:r>
-              <a:rPr lang="en-US" sz="1100" b="1" dirty="0"/>
-              <a:t>docker version</a:t>
-            </a:r>
-          </a:p>
-          <a:p>
-            <a:endParaRPr lang="en-US" sz="1100" b="1" dirty="0"/>
-          </a:p>
-          <a:p>
-            <a:r>
-              <a:rPr lang="en-US" sz="1100" b="1" dirty="0">
-                <a:solidFill>
-                  <a:schemeClr val="bg1">
-                    <a:lumMod val="65000"/>
-                  </a:schemeClr>
-                </a:solidFill>
-              </a:rPr>
-              <a:t>--Show detailed docker </a:t>
-            </a:r>
-            <a:r>
-              <a:rPr lang="en-US" sz="1100" b="1" dirty="0" err="1">
-                <a:solidFill>
-                  <a:schemeClr val="bg1">
-                    <a:lumMod val="65000"/>
-                  </a:schemeClr>
-                </a:solidFill>
-              </a:rPr>
-              <a:t>versión</a:t>
-            </a:r>
-            <a:r>
-              <a:rPr lang="en-US" sz="1100" b="1" dirty="0">
-                <a:solidFill>
-                  <a:schemeClr val="bg1">
-                    <a:lumMod val="65000"/>
-                  </a:schemeClr>
-                </a:solidFill>
-              </a:rPr>
-              <a:t> </a:t>
-            </a:r>
-          </a:p>
-          <a:p>
-            <a:r>
-              <a:rPr lang="en-US" sz="1100" b="1" dirty="0"/>
-              <a:t>docker info</a:t>
-            </a:r>
-          </a:p>
-          <a:p>
-            <a:endParaRPr lang="en-US" sz="1100" b="1" dirty="0"/>
-          </a:p>
-          <a:p>
-            <a:r>
-              <a:rPr lang="en-US" sz="1100" b="1" dirty="0">
-                <a:solidFill>
-                  <a:schemeClr val="bg1">
-                    <a:lumMod val="65000"/>
-                  </a:schemeClr>
-                </a:solidFill>
-              </a:rPr>
-              <a:t>--Inspect low-level information </a:t>
-            </a:r>
-          </a:p>
-          <a:p>
-            <a:r>
-              <a:rPr lang="en-US" sz="1100" b="1" dirty="0"/>
-              <a:t>docker inspect CONTAINER</a:t>
-            </a:r>
-          </a:p>
-          <a:p>
-            <a:r>
-              <a:rPr lang="en-US" sz="1100" b="1" dirty="0"/>
-              <a:t>docker inspect </a:t>
-            </a:r>
-            <a:r>
-              <a:rPr lang="en-US" sz="1100" b="1" dirty="0" err="1"/>
-              <a:t>nginx</a:t>
-            </a:r>
-            <a:endParaRPr lang="en-US" sz="1100" b="1" dirty="0"/>
-          </a:p>
-          <a:p>
-            <a:endParaRPr lang="en-US" sz="1100" b="1" dirty="0"/>
-          </a:p>
-        </p:txBody>
-      </p:sp>
-      <p:sp>
-        <p:nvSpPr>
-          <p:cNvPr id="11" name="CuadroTexto 10">
-            <a:extLst>
-              <a:ext uri="{FF2B5EF4-FFF2-40B4-BE49-F238E27FC236}">
-                <a16:creationId xmlns:a16="http://schemas.microsoft.com/office/drawing/2014/main" id="{E14AAED1-A68C-23FF-7579-4BB6BEA41765}"/>
-              </a:ext>
-            </a:extLst>
-          </p:cNvPr>
-          <p:cNvSpPr txBox="1"/>
-          <p:nvPr/>
-        </p:nvSpPr>
-        <p:spPr>
-          <a:xfrm>
-            <a:off x="6564708" y="1094243"/>
-            <a:ext cx="1331005" cy="338554"/>
-          </a:xfrm>
-          <a:prstGeom prst="rect">
-            <a:avLst/>
-          </a:prstGeom>
-          <a:noFill/>
-        </p:spPr>
-        <p:txBody>
-          <a:bodyPr wrap="none" rtlCol="0">
-            <a:spAutoFit/>
-          </a:bodyPr>
-          <a:lstStyle/>
-          <a:p>
-            <a:r>
-              <a:rPr lang="es-PE" sz="1600" b="1" dirty="0">
-                <a:solidFill>
-                  <a:schemeClr val="accent2"/>
-                </a:solidFill>
-              </a:rPr>
-              <a:t>INFO &amp; STATS</a:t>
-            </a:r>
           </a:p>
         </p:txBody>
       </p:sp>
@@ -9487,7 +9471,7 @@
         <p:spPr>
           <a:xfrm>
             <a:off x="800552" y="1292839"/>
-            <a:ext cx="2466975" cy="3600986"/>
+            <a:ext cx="2466975" cy="1938992"/>
           </a:xfrm>
           <a:prstGeom prst="rect">
             <a:avLst/>
@@ -9508,169 +9492,176 @@
                   </a:schemeClr>
                 </a:solidFill>
               </a:rPr>
-              <a:t>--Download an image</a:t>
-            </a:r>
+              <a:t>--Crear nuevo </a:t>
+            </a:r>
+            <a:r>
+              <a:rPr lang="en-US" sz="1200" b="1" dirty="0" err="1">
+                <a:solidFill>
+                  <a:schemeClr val="bg1">
+                    <a:lumMod val="65000"/>
+                  </a:schemeClr>
+                </a:solidFill>
+              </a:rPr>
+              <a:t>volumen</a:t>
+            </a:r>
+            <a:endParaRPr lang="en-US" sz="1200" b="1" dirty="0">
+              <a:solidFill>
+                <a:schemeClr val="bg1">
+                  <a:lumMod val="65000"/>
+                </a:schemeClr>
+              </a:solidFill>
+            </a:endParaRPr>
+          </a:p>
+          <a:p>
+            <a:r>
+              <a:rPr lang="en-US" sz="1200" b="1" dirty="0"/>
+              <a:t>Docker volume create NAME_VOLUMEN</a:t>
+            </a:r>
+          </a:p>
+          <a:p>
+            <a:endParaRPr lang="en-US" sz="1200" b="1" dirty="0"/>
           </a:p>
           <a:p>
             <a:r>
               <a:rPr lang="en-US" sz="1200" b="1" dirty="0">
                 <a:solidFill>
-                  <a:schemeClr val="accent1">
-                    <a:lumMod val="75000"/>
-                  </a:schemeClr>
-                </a:solidFill>
-              </a:rPr>
-              <a:t>docker pull</a:t>
-            </a:r>
+                  <a:schemeClr val="bg1">
+                    <a:lumMod val="65000"/>
+                  </a:schemeClr>
+                </a:solidFill>
+              </a:rPr>
+              <a:t>--</a:t>
+            </a:r>
+            <a:r>
+              <a:rPr lang="en-US" sz="1200" b="1" dirty="0" err="1">
+                <a:solidFill>
+                  <a:schemeClr val="bg1">
+                    <a:lumMod val="65000"/>
+                  </a:schemeClr>
+                </a:solidFill>
+              </a:rPr>
+              <a:t>Listar</a:t>
+            </a:r>
+            <a:r>
+              <a:rPr lang="en-US" sz="1200" b="1" dirty="0">
+                <a:solidFill>
+                  <a:schemeClr val="bg1">
+                    <a:lumMod val="65000"/>
+                  </a:schemeClr>
+                </a:solidFill>
+              </a:rPr>
+              <a:t> </a:t>
+            </a:r>
+            <a:r>
+              <a:rPr lang="en-US" sz="1200" b="1" dirty="0" err="1">
+                <a:solidFill>
+                  <a:schemeClr val="bg1">
+                    <a:lumMod val="65000"/>
+                  </a:schemeClr>
+                </a:solidFill>
+              </a:rPr>
+              <a:t>volumenes</a:t>
+            </a:r>
+            <a:r>
+              <a:rPr lang="en-US" sz="1200" b="1" dirty="0">
+                <a:solidFill>
+                  <a:schemeClr val="bg1">
+                    <a:lumMod val="65000"/>
+                  </a:schemeClr>
+                </a:solidFill>
+              </a:rPr>
+              <a:t> </a:t>
+            </a:r>
+            <a:r>
+              <a:rPr lang="en-US" sz="1200" b="1" dirty="0" err="1">
+                <a:solidFill>
+                  <a:schemeClr val="bg1">
+                    <a:lumMod val="65000"/>
+                  </a:schemeClr>
+                </a:solidFill>
+              </a:rPr>
+              <a:t>disponibles</a:t>
+            </a:r>
+            <a:endParaRPr lang="en-US" sz="1200" b="1" dirty="0">
+              <a:solidFill>
+                <a:schemeClr val="bg1">
+                  <a:lumMod val="65000"/>
+                </a:schemeClr>
+              </a:solidFill>
+            </a:endParaRPr>
+          </a:p>
+          <a:p>
             <a:r>
               <a:rPr lang="en-US" sz="1200" b="1" dirty="0"/>
-              <a:t> IMAGE[:TAG]</a:t>
-            </a:r>
+              <a:t>Docker volume ls</a:t>
+            </a:r>
+          </a:p>
+          <a:p>
+            <a:endParaRPr lang="en-US" sz="1200" b="1" dirty="0"/>
+          </a:p>
+          <a:p>
+            <a:r>
+              <a:rPr lang="en-US" sz="1200" b="1" dirty="0">
+                <a:solidFill>
+                  <a:schemeClr val="bg1">
+                    <a:lumMod val="65000"/>
+                  </a:schemeClr>
+                </a:solidFill>
+              </a:rPr>
+              <a:t>--</a:t>
+            </a:r>
+            <a:r>
+              <a:rPr lang="en-US" sz="1200" b="1" dirty="0" err="1">
+                <a:solidFill>
+                  <a:schemeClr val="bg1">
+                    <a:lumMod val="65000"/>
+                  </a:schemeClr>
+                </a:solidFill>
+              </a:rPr>
+              <a:t>Eliminar</a:t>
+            </a:r>
+            <a:r>
+              <a:rPr lang="en-US" sz="1200" b="1" dirty="0">
+                <a:solidFill>
+                  <a:schemeClr val="bg1">
+                    <a:lumMod val="65000"/>
+                  </a:schemeClr>
+                </a:solidFill>
+              </a:rPr>
+              <a:t> </a:t>
+            </a:r>
+            <a:r>
+              <a:rPr lang="en-US" sz="1200" b="1" dirty="0" err="1">
+                <a:solidFill>
+                  <a:schemeClr val="bg1">
+                    <a:lumMod val="65000"/>
+                  </a:schemeClr>
+                </a:solidFill>
+              </a:rPr>
+              <a:t>volumen</a:t>
+            </a:r>
+            <a:endParaRPr lang="en-US" sz="1200" b="1" dirty="0">
+              <a:solidFill>
+                <a:schemeClr val="bg1">
+                  <a:lumMod val="65000"/>
+                </a:schemeClr>
+              </a:solidFill>
+            </a:endParaRPr>
           </a:p>
           <a:p>
             <a:r>
               <a:rPr lang="en-US" sz="1200" b="1" dirty="0"/>
-              <a:t>docker pull </a:t>
-            </a:r>
-            <a:r>
-              <a:rPr lang="en-US" sz="1200" b="1" dirty="0" err="1"/>
-              <a:t>nginx</a:t>
-            </a:r>
-            <a:endParaRPr lang="en-US" sz="1200" b="1" dirty="0"/>
-          </a:p>
-          <a:p>
-            <a:endParaRPr lang="en-US" sz="1200" b="1" dirty="0"/>
-          </a:p>
-          <a:p>
-            <a:r>
-              <a:rPr lang="en-US" sz="1200" b="1" dirty="0">
-                <a:solidFill>
-                  <a:schemeClr val="bg1">
-                    <a:lumMod val="65000"/>
-                  </a:schemeClr>
-                </a:solidFill>
-              </a:rPr>
-              <a:t>--Upload an image to repository </a:t>
-            </a:r>
-          </a:p>
-          <a:p>
-            <a:r>
-              <a:rPr lang="en-US" sz="1200" b="1" dirty="0"/>
-              <a:t>docker push IMAGE </a:t>
-            </a:r>
-          </a:p>
-          <a:p>
-            <a:r>
-              <a:rPr lang="en-US" sz="1200" b="1" dirty="0"/>
-              <a:t>docker push my-image:1.0</a:t>
-            </a:r>
-          </a:p>
-          <a:p>
-            <a:endParaRPr lang="en-US" sz="1200" b="1" dirty="0"/>
-          </a:p>
-          <a:p>
-            <a:r>
-              <a:rPr lang="en-US" sz="1200" b="1" dirty="0">
-                <a:solidFill>
-                  <a:schemeClr val="bg1">
-                    <a:lumMod val="65000"/>
-                  </a:schemeClr>
-                </a:solidFill>
-              </a:rPr>
-              <a:t>--Delete an image </a:t>
-            </a:r>
-          </a:p>
-          <a:p>
-            <a:r>
-              <a:rPr lang="en-US" sz="1200" b="1" dirty="0"/>
-              <a:t>docker </a:t>
-            </a:r>
-            <a:r>
-              <a:rPr lang="en-US" sz="1200" b="1" dirty="0" err="1"/>
-              <a:t>rmi</a:t>
-            </a:r>
-            <a:r>
-              <a:rPr lang="en-US" sz="1200" b="1" dirty="0"/>
-              <a:t> IMAGE</a:t>
-            </a:r>
-          </a:p>
-          <a:p>
-            <a:endParaRPr lang="en-US" sz="1200" b="1" dirty="0"/>
-          </a:p>
-          <a:p>
-            <a:r>
-              <a:rPr lang="en-US" sz="1200" b="1" dirty="0">
-                <a:solidFill>
-                  <a:schemeClr val="bg1">
-                    <a:lumMod val="65000"/>
-                  </a:schemeClr>
-                </a:solidFill>
-              </a:rPr>
-              <a:t>--Show a list if all Images </a:t>
-            </a:r>
-          </a:p>
-          <a:p>
-            <a:r>
-              <a:rPr lang="en-US" sz="1200" b="1" dirty="0">
-                <a:solidFill>
-                  <a:schemeClr val="accent1">
-                    <a:lumMod val="75000"/>
-                  </a:schemeClr>
-                </a:solidFill>
-              </a:rPr>
-              <a:t>Docker images</a:t>
-            </a:r>
-          </a:p>
-          <a:p>
-            <a:endParaRPr lang="en-US" sz="1200" b="1" dirty="0"/>
-          </a:p>
-          <a:p>
-            <a:r>
-              <a:rPr lang="en-US" sz="1200" b="1" dirty="0">
-                <a:solidFill>
-                  <a:schemeClr val="bg1">
-                    <a:lumMod val="65000"/>
-                  </a:schemeClr>
-                </a:solidFill>
-              </a:rPr>
-              <a:t>--Delete dangling images </a:t>
-            </a:r>
-          </a:p>
-          <a:p>
-            <a:r>
-              <a:rPr lang="en-US" sz="1200" b="1" dirty="0"/>
-              <a:t>docker image prune</a:t>
-            </a:r>
-          </a:p>
-          <a:p>
-            <a:endParaRPr lang="en-US" sz="1200" b="1" dirty="0"/>
-          </a:p>
-          <a:p>
-            <a:r>
-              <a:rPr lang="en-US" sz="1200" b="1" dirty="0">
-                <a:solidFill>
-                  <a:schemeClr val="bg1">
-                    <a:lumMod val="65000"/>
-                  </a:schemeClr>
-                </a:solidFill>
-              </a:rPr>
-              <a:t>--Delete all unused images </a:t>
-            </a:r>
-          </a:p>
-          <a:p>
-            <a:r>
-              <a:rPr lang="en-US" sz="1200" b="1" dirty="0"/>
-              <a:t>docker image prune -a</a:t>
+              <a:t>docker volume rm NAME_VOLUMEN</a:t>
             </a:r>
           </a:p>
         </p:txBody>
       </p:sp>
       <p:sp>
         <p:nvSpPr>
-          <p:cNvPr id="13" name="CuadroTexto 12">
+          <p:cNvPr id="2" name="CuadroTexto 1">
             <a:extLst>
               <a:ext uri="{FF2B5EF4-FFF2-40B4-BE49-F238E27FC236}">
-                <a16:creationId xmlns:a16="http://schemas.microsoft.com/office/drawing/2014/main" id="{FF5BA272-0D5B-6579-FC33-BC2D4B42F3A0}"/>
+                <a16:creationId xmlns:a16="http://schemas.microsoft.com/office/drawing/2014/main" id="{7ACC56D3-9D0D-C072-1707-BE7E45E32563}"/>
               </a:ext>
             </a:extLst>
           </p:cNvPr>
@@ -9679,51 +9670,8 @@
         </p:nvSpPr>
         <p:spPr>
           <a:xfrm>
-            <a:off x="744630" y="954285"/>
-            <a:ext cx="1706942" cy="338554"/>
-          </a:xfrm>
-          <a:prstGeom prst="rect">
-            <a:avLst/>
-          </a:prstGeom>
-          <a:noFill/>
-        </p:spPr>
-        <p:txBody>
-          <a:bodyPr wrap="none" rtlCol="0">
-            <a:spAutoFit/>
-          </a:bodyPr>
-          <a:lstStyle/>
-          <a:p>
-            <a:r>
-              <a:rPr lang="es-PE" sz="1600" b="1" dirty="0"/>
-              <a:t>MANAGE </a:t>
-            </a:r>
-            <a:r>
-              <a:rPr lang="es-PE" sz="1600" b="1" dirty="0">
-                <a:solidFill>
-                  <a:schemeClr val="accent1"/>
-                </a:solidFill>
-              </a:rPr>
-              <a:t>IMAGES</a:t>
-            </a:r>
-          </a:p>
-        </p:txBody>
-      </p:sp>
-      <p:sp>
-        <p:nvSpPr>
-          <p:cNvPr id="14" name="CuadroTexto 13">
-            <a:extLst>
-              <a:ext uri="{FF2B5EF4-FFF2-40B4-BE49-F238E27FC236}">
-                <a16:creationId xmlns:a16="http://schemas.microsoft.com/office/drawing/2014/main" id="{206C6AD0-C453-D5B9-AAFD-D71305EF768E}"/>
-              </a:ext>
-            </a:extLst>
-          </p:cNvPr>
-          <p:cNvSpPr txBox="1"/>
-          <p:nvPr/>
-        </p:nvSpPr>
-        <p:spPr>
-          <a:xfrm>
-            <a:off x="9029253" y="1428680"/>
-            <a:ext cx="2466975" cy="1277273"/>
+            <a:off x="7839527" y="1292839"/>
+            <a:ext cx="2466975" cy="2492990"/>
           </a:xfrm>
           <a:prstGeom prst="rect">
             <a:avLst/>
@@ -9737,55 +9685,258 @@
           <a:lstStyle/>
           <a:p>
             <a:r>
-              <a:rPr lang="en-US" sz="1100" b="1" dirty="0">
-                <a:solidFill>
-                  <a:schemeClr val="bg1">
-                    <a:lumMod val="65000"/>
-                  </a:schemeClr>
-                </a:solidFill>
-              </a:rPr>
-              <a:t>--Show changes in container </a:t>
-            </a:r>
-          </a:p>
-          <a:p>
-            <a:r>
-              <a:rPr lang="en-US" sz="1100" b="1" dirty="0"/>
-              <a:t>docker diff CONTAINER</a:t>
-            </a:r>
-          </a:p>
-          <a:p>
-            <a:r>
-              <a:rPr lang="en-US" sz="1100" b="1" dirty="0"/>
-              <a:t>docker diff web</a:t>
-            </a:r>
-          </a:p>
-          <a:p>
-            <a:endParaRPr lang="en-US" sz="1100" b="1" dirty="0"/>
-          </a:p>
-          <a:p>
-            <a:r>
-              <a:rPr lang="en-US" sz="1100" b="1" dirty="0">
-                <a:solidFill>
-                  <a:schemeClr val="bg1">
-                    <a:lumMod val="65000"/>
-                  </a:schemeClr>
-                </a:solidFill>
-              </a:rPr>
-              <a:t>--Show port mappings of a container </a:t>
-            </a:r>
-          </a:p>
-          <a:p>
-            <a:r>
-              <a:rPr lang="en-US" sz="1100" b="1" dirty="0"/>
-              <a:t>docker port CONTAINER</a:t>
-            </a:r>
-          </a:p>
-          <a:p>
-            <a:r>
-              <a:rPr lang="en-US" sz="1100" b="1" dirty="0"/>
-              <a:t>docker port web</a:t>
-            </a:r>
-            <a:endParaRPr lang="es-PE" sz="1100" b="1" dirty="0"/>
+              <a:rPr lang="en-US" sz="1200" b="1" dirty="0">
+                <a:solidFill>
+                  <a:schemeClr val="bg1">
+                    <a:lumMod val="65000"/>
+                  </a:schemeClr>
+                </a:solidFill>
+              </a:rPr>
+              <a:t>--Crear un secret</a:t>
+            </a:r>
+          </a:p>
+          <a:p>
+            <a:r>
+              <a:rPr lang="en-US" sz="1200" b="1" dirty="0"/>
+              <a:t>Docker secret create NAME_SECRET</a:t>
+            </a:r>
+          </a:p>
+          <a:p>
+            <a:endParaRPr lang="en-US" sz="1200" b="1" dirty="0"/>
+          </a:p>
+          <a:p>
+            <a:r>
+              <a:rPr lang="en-US" sz="1200" b="1" dirty="0">
+                <a:solidFill>
+                  <a:schemeClr val="bg1">
+                    <a:lumMod val="65000"/>
+                  </a:schemeClr>
+                </a:solidFill>
+              </a:rPr>
+              <a:t>--</a:t>
+            </a:r>
+            <a:r>
+              <a:rPr lang="en-US" sz="1200" b="1" dirty="0" err="1">
+                <a:solidFill>
+                  <a:schemeClr val="bg1">
+                    <a:lumMod val="65000"/>
+                  </a:schemeClr>
+                </a:solidFill>
+              </a:rPr>
+              <a:t>Myestra</a:t>
+            </a:r>
+            <a:r>
+              <a:rPr lang="en-US" sz="1200" b="1" dirty="0">
+                <a:solidFill>
+                  <a:schemeClr val="bg1">
+                    <a:lumMod val="65000"/>
+                  </a:schemeClr>
+                </a:solidFill>
+              </a:rPr>
+              <a:t> </a:t>
+            </a:r>
+            <a:r>
+              <a:rPr lang="en-US" sz="1200" b="1" dirty="0" err="1">
+                <a:solidFill>
+                  <a:schemeClr val="bg1">
+                    <a:lumMod val="65000"/>
+                  </a:schemeClr>
+                </a:solidFill>
+              </a:rPr>
+              <a:t>informacion</a:t>
+            </a:r>
+            <a:r>
+              <a:rPr lang="en-US" sz="1200" b="1" dirty="0">
+                <a:solidFill>
+                  <a:schemeClr val="bg1">
+                    <a:lumMod val="65000"/>
+                  </a:schemeClr>
+                </a:solidFill>
+              </a:rPr>
+              <a:t> </a:t>
+            </a:r>
+            <a:r>
+              <a:rPr lang="en-US" sz="1200" b="1" dirty="0" err="1">
+                <a:solidFill>
+                  <a:schemeClr val="bg1">
+                    <a:lumMod val="65000"/>
+                  </a:schemeClr>
+                </a:solidFill>
+              </a:rPr>
+              <a:t>detallada</a:t>
+            </a:r>
+            <a:r>
+              <a:rPr lang="en-US" sz="1200" b="1" dirty="0">
+                <a:solidFill>
+                  <a:schemeClr val="bg1">
+                    <a:lumMod val="65000"/>
+                  </a:schemeClr>
+                </a:solidFill>
+              </a:rPr>
+              <a:t> </a:t>
+            </a:r>
+            <a:r>
+              <a:rPr lang="en-US" sz="1200" b="1" dirty="0" err="1">
+                <a:solidFill>
+                  <a:schemeClr val="bg1">
+                    <a:lumMod val="65000"/>
+                  </a:schemeClr>
+                </a:solidFill>
+              </a:rPr>
+              <a:t>sobre</a:t>
+            </a:r>
+            <a:r>
+              <a:rPr lang="en-US" sz="1200" b="1" dirty="0">
+                <a:solidFill>
+                  <a:schemeClr val="bg1">
+                    <a:lumMod val="65000"/>
+                  </a:schemeClr>
+                </a:solidFill>
+              </a:rPr>
+              <a:t> un secret </a:t>
+            </a:r>
+            <a:r>
+              <a:rPr lang="en-US" sz="1200" b="1" dirty="0" err="1">
+                <a:solidFill>
+                  <a:schemeClr val="bg1">
+                    <a:lumMod val="65000"/>
+                  </a:schemeClr>
+                </a:solidFill>
+              </a:rPr>
+              <a:t>especifico</a:t>
+            </a:r>
+            <a:endParaRPr lang="en-US" sz="1200" b="1" dirty="0">
+              <a:solidFill>
+                <a:schemeClr val="bg1">
+                  <a:lumMod val="65000"/>
+                </a:schemeClr>
+              </a:solidFill>
+            </a:endParaRPr>
+          </a:p>
+          <a:p>
+            <a:r>
+              <a:rPr lang="en-US" sz="1200" b="1" dirty="0"/>
+              <a:t>Docker secret inspect NAME_SECRET</a:t>
+            </a:r>
+          </a:p>
+          <a:p>
+            <a:endParaRPr lang="en-US" sz="1200" b="1" dirty="0"/>
+          </a:p>
+          <a:p>
+            <a:r>
+              <a:rPr lang="en-US" sz="1200" b="1" dirty="0">
+                <a:solidFill>
+                  <a:schemeClr val="bg1">
+                    <a:lumMod val="65000"/>
+                  </a:schemeClr>
+                </a:solidFill>
+              </a:rPr>
+              <a:t>--Lista </a:t>
+            </a:r>
+            <a:r>
+              <a:rPr lang="en-US" sz="1200" b="1" dirty="0" err="1">
+                <a:solidFill>
+                  <a:schemeClr val="bg1">
+                    <a:lumMod val="65000"/>
+                  </a:schemeClr>
+                </a:solidFill>
+              </a:rPr>
+              <a:t>todos</a:t>
+            </a:r>
+            <a:r>
+              <a:rPr lang="en-US" sz="1200" b="1" dirty="0">
+                <a:solidFill>
+                  <a:schemeClr val="bg1">
+                    <a:lumMod val="65000"/>
+                  </a:schemeClr>
+                </a:solidFill>
+              </a:rPr>
+              <a:t> </a:t>
+            </a:r>
+            <a:r>
+              <a:rPr lang="en-US" sz="1200" b="1" dirty="0" err="1">
+                <a:solidFill>
+                  <a:schemeClr val="bg1">
+                    <a:lumMod val="65000"/>
+                  </a:schemeClr>
+                </a:solidFill>
+              </a:rPr>
+              <a:t>los</a:t>
+            </a:r>
+            <a:r>
+              <a:rPr lang="en-US" sz="1200" b="1" dirty="0">
+                <a:solidFill>
+                  <a:schemeClr val="bg1">
+                    <a:lumMod val="65000"/>
+                  </a:schemeClr>
+                </a:solidFill>
+              </a:rPr>
+              <a:t> secrets </a:t>
+            </a:r>
+            <a:r>
+              <a:rPr lang="en-US" sz="1200" b="1" dirty="0" err="1">
+                <a:solidFill>
+                  <a:schemeClr val="bg1">
+                    <a:lumMod val="65000"/>
+                  </a:schemeClr>
+                </a:solidFill>
+              </a:rPr>
+              <a:t>existentes</a:t>
+            </a:r>
+            <a:endParaRPr lang="en-US" sz="1200" b="1" dirty="0">
+              <a:solidFill>
+                <a:schemeClr val="bg1">
+                  <a:lumMod val="65000"/>
+                </a:schemeClr>
+              </a:solidFill>
+            </a:endParaRPr>
+          </a:p>
+          <a:p>
+            <a:r>
+              <a:rPr lang="en-US" sz="1200" b="1" dirty="0"/>
+              <a:t>docker secret ls</a:t>
+            </a:r>
+          </a:p>
+          <a:p>
+            <a:endParaRPr lang="en-US" sz="1200" b="1" dirty="0"/>
+          </a:p>
+          <a:p>
+            <a:r>
+              <a:rPr lang="en-US" sz="1200" b="1" dirty="0">
+                <a:solidFill>
+                  <a:schemeClr val="bg1">
+                    <a:lumMod val="65000"/>
+                  </a:schemeClr>
+                </a:solidFill>
+              </a:rPr>
+              <a:t>--</a:t>
+            </a:r>
+            <a:r>
+              <a:rPr lang="en-US" sz="1200" b="1" dirty="0" err="1">
+                <a:solidFill>
+                  <a:schemeClr val="bg1">
+                    <a:lumMod val="65000"/>
+                  </a:schemeClr>
+                </a:solidFill>
+              </a:rPr>
+              <a:t>Eliminar</a:t>
+            </a:r>
+            <a:r>
+              <a:rPr lang="en-US" sz="1200" b="1" dirty="0">
+                <a:solidFill>
+                  <a:schemeClr val="bg1">
+                    <a:lumMod val="65000"/>
+                  </a:schemeClr>
+                </a:solidFill>
+              </a:rPr>
+              <a:t> uno o mas secrets</a:t>
+            </a:r>
+          </a:p>
+          <a:p>
+            <a:r>
+              <a:rPr lang="en-US" sz="1200" b="1" dirty="0"/>
+              <a:t>docker secret rm NAME_SECRET</a:t>
+            </a:r>
           </a:p>
         </p:txBody>
       </p:sp>
